--- a/Event Materials/Speaker/GPPB2021 Speaker Template.pptx
+++ b/Event Materials/Speaker/GPPB2021 Speaker Template.pptx
@@ -148,6 +148,177 @@
 
 <file path=ppt/changesInfos/changesInfo1.xml><?xml version="1.0" encoding="utf-8"?>
 <pc:chgInfo xmlns:a="http://schemas.openxmlformats.org/drawingml/2006/main" xmlns:r="http://schemas.openxmlformats.org/officeDocument/2006/relationships" xmlns:ac="http://schemas.microsoft.com/office/drawing/2013/main/command" xmlns:pc="http://schemas.microsoft.com/office/powerpoint/2013/main/command">
+  <pc:docChgLst>
+    <pc:chgData name="dhina.gaja" userId="S::dhina.gaja_gmail.com#ext#@ktripathy.onmicrosoft.com::20794bad-9f8f-4c30-bedb-71eb7e8fa748" providerId="AD" clId="Web-{16650894-7062-4A40-8099-3457C89D17BD}"/>
+    <pc:docChg chg="addSld delSld modSld">
+      <pc:chgData name="dhina.gaja" userId="S::dhina.gaja_gmail.com#ext#@ktripathy.onmicrosoft.com::20794bad-9f8f-4c30-bedb-71eb7e8fa748" providerId="AD" clId="Web-{16650894-7062-4A40-8099-3457C89D17BD}" dt="2021-01-09T05:15:14.397" v="313" actId="20577"/>
+      <pc:docMkLst>
+        <pc:docMk/>
+      </pc:docMkLst>
+      <pc:sldChg chg="modSp">
+        <pc:chgData name="dhina.gaja" userId="S::dhina.gaja_gmail.com#ext#@ktripathy.onmicrosoft.com::20794bad-9f8f-4c30-bedb-71eb7e8fa748" providerId="AD" clId="Web-{16650894-7062-4A40-8099-3457C89D17BD}" dt="2021-01-09T05:13:20.333" v="304" actId="20577"/>
+        <pc:sldMkLst>
+          <pc:docMk/>
+          <pc:sldMk cId="2395435843" sldId="274"/>
+        </pc:sldMkLst>
+        <pc:spChg chg="mod">
+          <ac:chgData name="dhina.gaja" userId="S::dhina.gaja_gmail.com#ext#@ktripathy.onmicrosoft.com::20794bad-9f8f-4c30-bedb-71eb7e8fa748" providerId="AD" clId="Web-{16650894-7062-4A40-8099-3457C89D17BD}" dt="2021-01-09T05:13:16.818" v="300" actId="20577"/>
+          <ac:spMkLst>
+            <pc:docMk/>
+            <pc:sldMk cId="2395435843" sldId="274"/>
+            <ac:spMk id="2" creationId="{B1CEE9F9-7DA5-46BE-8FD3-98FC7600B400}"/>
+          </ac:spMkLst>
+        </pc:spChg>
+        <pc:spChg chg="mod">
+          <ac:chgData name="dhina.gaja" userId="S::dhina.gaja_gmail.com#ext#@ktripathy.onmicrosoft.com::20794bad-9f8f-4c30-bedb-71eb7e8fa748" providerId="AD" clId="Web-{16650894-7062-4A40-8099-3457C89D17BD}" dt="2021-01-09T05:13:20.333" v="304" actId="20577"/>
+          <ac:spMkLst>
+            <pc:docMk/>
+            <pc:sldMk cId="2395435843" sldId="274"/>
+            <ac:spMk id="3" creationId="{87541EC9-263C-4672-B5CC-D58181D9EC46}"/>
+          </ac:spMkLst>
+        </pc:spChg>
+      </pc:sldChg>
+      <pc:sldChg chg="modSp">
+        <pc:chgData name="dhina.gaja" userId="S::dhina.gaja_gmail.com#ext#@ktripathy.onmicrosoft.com::20794bad-9f8f-4c30-bedb-71eb7e8fa748" providerId="AD" clId="Web-{16650894-7062-4A40-8099-3457C89D17BD}" dt="2021-01-09T05:15:12.615" v="311" actId="20577"/>
+        <pc:sldMkLst>
+          <pc:docMk/>
+          <pc:sldMk cId="4138252610" sldId="280"/>
+        </pc:sldMkLst>
+        <pc:spChg chg="mod">
+          <ac:chgData name="dhina.gaja" userId="S::dhina.gaja_gmail.com#ext#@ktripathy.onmicrosoft.com::20794bad-9f8f-4c30-bedb-71eb7e8fa748" providerId="AD" clId="Web-{16650894-7062-4A40-8099-3457C89D17BD}" dt="2021-01-09T05:15:12.615" v="311" actId="20577"/>
+          <ac:spMkLst>
+            <pc:docMk/>
+            <pc:sldMk cId="4138252610" sldId="280"/>
+            <ac:spMk id="2" creationId="{12233200-9E83-4FFD-8A31-1D80C3550579}"/>
+          </ac:spMkLst>
+        </pc:spChg>
+        <pc:spChg chg="mod">
+          <ac:chgData name="dhina.gaja" userId="S::dhina.gaja_gmail.com#ext#@ktripathy.onmicrosoft.com::20794bad-9f8f-4c30-bedb-71eb7e8fa748" providerId="AD" clId="Web-{16650894-7062-4A40-8099-3457C89D17BD}" dt="2021-01-09T05:15:04.709" v="310" actId="1076"/>
+          <ac:spMkLst>
+            <pc:docMk/>
+            <pc:sldMk cId="4138252610" sldId="280"/>
+            <ac:spMk id="5" creationId="{D0EF7A67-E46C-4B60-B71D-A4D694261DB2}"/>
+          </ac:spMkLst>
+        </pc:spChg>
+        <pc:picChg chg="mod">
+          <ac:chgData name="dhina.gaja" userId="S::dhina.gaja_gmail.com#ext#@ktripathy.onmicrosoft.com::20794bad-9f8f-4c30-bedb-71eb7e8fa748" providerId="AD" clId="Web-{16650894-7062-4A40-8099-3457C89D17BD}" dt="2021-01-09T05:14:50.912" v="309" actId="1076"/>
+          <ac:picMkLst>
+            <pc:docMk/>
+            <pc:sldMk cId="4138252610" sldId="280"/>
+            <ac:picMk id="4" creationId="{1AEC8162-D9C6-434D-9467-952F69B3534C}"/>
+          </ac:picMkLst>
+        </pc:picChg>
+      </pc:sldChg>
+      <pc:sldChg chg="modSp">
+        <pc:chgData name="dhina.gaja" userId="S::dhina.gaja_gmail.com#ext#@ktripathy.onmicrosoft.com::20794bad-9f8f-4c30-bedb-71eb7e8fa748" providerId="AD" clId="Web-{16650894-7062-4A40-8099-3457C89D17BD}" dt="2021-01-09T05:11:43.161" v="290" actId="1076"/>
+        <pc:sldMkLst>
+          <pc:docMk/>
+          <pc:sldMk cId="57221588" sldId="283"/>
+        </pc:sldMkLst>
+        <pc:spChg chg="mod">
+          <ac:chgData name="dhina.gaja" userId="S::dhina.gaja_gmail.com#ext#@ktripathy.onmicrosoft.com::20794bad-9f8f-4c30-bedb-71eb7e8fa748" providerId="AD" clId="Web-{16650894-7062-4A40-8099-3457C89D17BD}" dt="2021-01-09T05:11:43.161" v="290" actId="1076"/>
+          <ac:spMkLst>
+            <pc:docMk/>
+            <pc:sldMk cId="57221588" sldId="283"/>
+            <ac:spMk id="2" creationId="{49C9B5A3-FEB9-4BF6-81BD-4A1A0DEE9458}"/>
+          </ac:spMkLst>
+        </pc:spChg>
+        <pc:spChg chg="mod">
+          <ac:chgData name="dhina.gaja" userId="S::dhina.gaja_gmail.com#ext#@ktripathy.onmicrosoft.com::20794bad-9f8f-4c30-bedb-71eb7e8fa748" providerId="AD" clId="Web-{16650894-7062-4A40-8099-3457C89D17BD}" dt="2021-01-09T05:11:36.864" v="289" actId="14100"/>
+          <ac:spMkLst>
+            <pc:docMk/>
+            <pc:sldMk cId="57221588" sldId="283"/>
+            <ac:spMk id="3" creationId="{2150AFDD-1AE3-4568-B000-B1E8BCEF185D}"/>
+          </ac:spMkLst>
+        </pc:spChg>
+      </pc:sldChg>
+      <pc:sldChg chg="addSp modSp">
+        <pc:chgData name="dhina.gaja" userId="S::dhina.gaja_gmail.com#ext#@ktripathy.onmicrosoft.com::20794bad-9f8f-4c30-bedb-71eb7e8fa748" providerId="AD" clId="Web-{16650894-7062-4A40-8099-3457C89D17BD}" dt="2021-01-09T05:12:54.443" v="297"/>
+        <pc:sldMkLst>
+          <pc:docMk/>
+          <pc:sldMk cId="460613329" sldId="284"/>
+        </pc:sldMkLst>
+        <pc:spChg chg="add mod">
+          <ac:chgData name="dhina.gaja" userId="S::dhina.gaja_gmail.com#ext#@ktripathy.onmicrosoft.com::20794bad-9f8f-4c30-bedb-71eb7e8fa748" providerId="AD" clId="Web-{16650894-7062-4A40-8099-3457C89D17BD}" dt="2021-01-09T05:12:54.443" v="297"/>
+          <ac:spMkLst>
+            <pc:docMk/>
+            <pc:sldMk cId="460613329" sldId="284"/>
+            <ac:spMk id="3" creationId="{078D7EEC-238E-4501-8639-F28FEA6E07EA}"/>
+          </ac:spMkLst>
+        </pc:spChg>
+        <pc:spChg chg="mod">
+          <ac:chgData name="dhina.gaja" userId="S::dhina.gaja_gmail.com#ext#@ktripathy.onmicrosoft.com::20794bad-9f8f-4c30-bedb-71eb7e8fa748" providerId="AD" clId="Web-{16650894-7062-4A40-8099-3457C89D17BD}" dt="2021-01-09T05:12:47.443" v="296" actId="1076"/>
+          <ac:spMkLst>
+            <pc:docMk/>
+            <pc:sldMk cId="460613329" sldId="284"/>
+            <ac:spMk id="6" creationId="{497F53FD-FCE2-4CF0-8021-C58214CA32DD}"/>
+          </ac:spMkLst>
+        </pc:spChg>
+      </pc:sldChg>
+      <pc:sldChg chg="modSp add replId">
+        <pc:chgData name="dhina.gaja" userId="S::dhina.gaja_gmail.com#ext#@ktripathy.onmicrosoft.com::20794bad-9f8f-4c30-bedb-71eb7e8fa748" providerId="AD" clId="Web-{16650894-7062-4A40-8099-3457C89D17BD}" dt="2021-01-09T05:11:16.895" v="285" actId="20577"/>
+        <pc:sldMkLst>
+          <pc:docMk/>
+          <pc:sldMk cId="3936304813" sldId="287"/>
+        </pc:sldMkLst>
+        <pc:spChg chg="mod">
+          <ac:chgData name="dhina.gaja" userId="S::dhina.gaja_gmail.com#ext#@ktripathy.onmicrosoft.com::20794bad-9f8f-4c30-bedb-71eb7e8fa748" providerId="AD" clId="Web-{16650894-7062-4A40-8099-3457C89D17BD}" dt="2021-01-09T05:11:16.895" v="285" actId="20577"/>
+          <ac:spMkLst>
+            <pc:docMk/>
+            <pc:sldMk cId="3936304813" sldId="287"/>
+            <ac:spMk id="2" creationId="{62EF540C-63D9-4102-9168-DD270C7DEE76}"/>
+          </ac:spMkLst>
+        </pc:spChg>
+        <pc:spChg chg="mod">
+          <ac:chgData name="dhina.gaja" userId="S::dhina.gaja_gmail.com#ext#@ktripathy.onmicrosoft.com::20794bad-9f8f-4c30-bedb-71eb7e8fa748" providerId="AD" clId="Web-{16650894-7062-4A40-8099-3457C89D17BD}" dt="2021-01-09T05:04:44.903" v="251" actId="1076"/>
+          <ac:spMkLst>
+            <pc:docMk/>
+            <pc:sldMk cId="3936304813" sldId="287"/>
+            <ac:spMk id="3" creationId="{2B258DCE-7C48-4DD8-AE50-AF69CD5ACED3}"/>
+          </ac:spMkLst>
+        </pc:spChg>
+      </pc:sldChg>
+      <pc:sldChg chg="modSp add mod replId setBg">
+        <pc:chgData name="dhina.gaja" userId="S::dhina.gaja_gmail.com#ext#@ktripathy.onmicrosoft.com::20794bad-9f8f-4c30-bedb-71eb7e8fa748" providerId="AD" clId="Web-{16650894-7062-4A40-8099-3457C89D17BD}" dt="2021-01-09T05:13:48.568" v="306" actId="20577"/>
+        <pc:sldMkLst>
+          <pc:docMk/>
+          <pc:sldMk cId="1923790184" sldId="288"/>
+        </pc:sldMkLst>
+        <pc:spChg chg="mod">
+          <ac:chgData name="dhina.gaja" userId="S::dhina.gaja_gmail.com#ext#@ktripathy.onmicrosoft.com::20794bad-9f8f-4c30-bedb-71eb7e8fa748" providerId="AD" clId="Web-{16650894-7062-4A40-8099-3457C89D17BD}" dt="2021-01-09T05:13:48.568" v="306" actId="20577"/>
+          <ac:spMkLst>
+            <pc:docMk/>
+            <pc:sldMk cId="1923790184" sldId="288"/>
+            <ac:spMk id="2" creationId="{794D0EC6-F4E1-4C75-B230-2C38DA40A650}"/>
+          </ac:spMkLst>
+        </pc:spChg>
+      </pc:sldChg>
+    </pc:docChg>
+  </pc:docChgLst>
+  <pc:docChgLst>
+    <pc:chgData name="dhina.gaja" userId="S::dhina.gaja_gmail.com#ext#@ktripathy.onmicrosoft.com::20794bad-9f8f-4c30-bedb-71eb7e8fa748" providerId="AD" clId="Web-{AE6A0DB3-DF48-4D40-9223-F206BB8CA26F}"/>
+    <pc:docChg chg="modSld">
+      <pc:chgData name="dhina.gaja" userId="S::dhina.gaja_gmail.com#ext#@ktripathy.onmicrosoft.com::20794bad-9f8f-4c30-bedb-71eb7e8fa748" providerId="AD" clId="Web-{AE6A0DB3-DF48-4D40-9223-F206BB8CA26F}" dt="2021-01-10T04:29:23.629" v="2" actId="20577"/>
+      <pc:docMkLst>
+        <pc:docMk/>
+      </pc:docMkLst>
+      <pc:sldChg chg="modSp">
+        <pc:chgData name="dhina.gaja" userId="S::dhina.gaja_gmail.com#ext#@ktripathy.onmicrosoft.com::20794bad-9f8f-4c30-bedb-71eb7e8fa748" providerId="AD" clId="Web-{AE6A0DB3-DF48-4D40-9223-F206BB8CA26F}" dt="2021-01-10T04:29:23.566" v="1" actId="20577"/>
+        <pc:sldMkLst>
+          <pc:docMk/>
+          <pc:sldMk cId="1814514101" sldId="272"/>
+        </pc:sldMkLst>
+        <pc:spChg chg="mod">
+          <ac:chgData name="dhina.gaja" userId="S::dhina.gaja_gmail.com#ext#@ktripathy.onmicrosoft.com::20794bad-9f8f-4c30-bedb-71eb7e8fa748" providerId="AD" clId="Web-{AE6A0DB3-DF48-4D40-9223-F206BB8CA26F}" dt="2021-01-10T04:29:23.566" v="1" actId="20577"/>
+          <ac:spMkLst>
+            <pc:docMk/>
+            <pc:sldMk cId="1814514101" sldId="272"/>
+            <ac:spMk id="2" creationId="{E74A036C-BA54-45FC-9987-BE658FE42601}"/>
+          </ac:spMkLst>
+        </pc:spChg>
+      </pc:sldChg>
+    </pc:docChg>
+  </pc:docChgLst>
   <pc:docChgLst>
     <pc:chgData name="Kunal Tripathy" userId="eb1d77cb-48ed-47b3-b466-208f8155793e" providerId="ADAL" clId="{EF5B045B-80B7-4E6D-87D0-32583648F78B}"/>
     <pc:docChg chg="undo custSel addSld delSld modSld sldOrd modMainMaster">
@@ -497,30 +668,6 @@
     </pc:docChg>
   </pc:docChgLst>
   <pc:docChgLst>
-    <pc:chgData name="dhina.gaja" userId="S::dhina.gaja_gmail.com#ext#@ktripathy.onmicrosoft.com::20794bad-9f8f-4c30-bedb-71eb7e8fa748" providerId="AD" clId="Web-{AE6A0DB3-DF48-4D40-9223-F206BB8CA26F}"/>
-    <pc:docChg chg="modSld">
-      <pc:chgData name="dhina.gaja" userId="S::dhina.gaja_gmail.com#ext#@ktripathy.onmicrosoft.com::20794bad-9f8f-4c30-bedb-71eb7e8fa748" providerId="AD" clId="Web-{AE6A0DB3-DF48-4D40-9223-F206BB8CA26F}" dt="2021-01-10T04:29:23.629" v="2" actId="20577"/>
-      <pc:docMkLst>
-        <pc:docMk/>
-      </pc:docMkLst>
-      <pc:sldChg chg="modSp">
-        <pc:chgData name="dhina.gaja" userId="S::dhina.gaja_gmail.com#ext#@ktripathy.onmicrosoft.com::20794bad-9f8f-4c30-bedb-71eb7e8fa748" providerId="AD" clId="Web-{AE6A0DB3-DF48-4D40-9223-F206BB8CA26F}" dt="2021-01-10T04:29:23.566" v="1" actId="20577"/>
-        <pc:sldMkLst>
-          <pc:docMk/>
-          <pc:sldMk cId="1814514101" sldId="272"/>
-        </pc:sldMkLst>
-        <pc:spChg chg="mod">
-          <ac:chgData name="dhina.gaja" userId="S::dhina.gaja_gmail.com#ext#@ktripathy.onmicrosoft.com::20794bad-9f8f-4c30-bedb-71eb7e8fa748" providerId="AD" clId="Web-{AE6A0DB3-DF48-4D40-9223-F206BB8CA26F}" dt="2021-01-10T04:29:23.566" v="1" actId="20577"/>
-          <ac:spMkLst>
-            <pc:docMk/>
-            <pc:sldMk cId="1814514101" sldId="272"/>
-            <ac:spMk id="2" creationId="{E74A036C-BA54-45FC-9987-BE658FE42601}"/>
-          </ac:spMkLst>
-        </pc:spChg>
-      </pc:sldChg>
-    </pc:docChg>
-  </pc:docChgLst>
-  <pc:docChgLst>
     <pc:chgData name="dhina.gaja" userId="S::dhina.gaja_gmail.com#ext#@ktripathy.onmicrosoft.com::20794bad-9f8f-4c30-bedb-71eb7e8fa748" providerId="AD" clId="Web-{CAC88F4A-E28E-4750-AB54-EE2834FD1AFE}"/>
     <pc:docChg chg="modSld">
       <pc:chgData name="dhina.gaja" userId="S::dhina.gaja_gmail.com#ext#@ktripathy.onmicrosoft.com::20794bad-9f8f-4c30-bedb-71eb7e8fa748" providerId="AD" clId="Web-{CAC88F4A-E28E-4750-AB54-EE2834FD1AFE}" dt="2021-01-09T04:58:49.484" v="62"/>
@@ -617,153 +764,6 @@
           <pc:docMk/>
           <pc:sldMk cId="2691772469" sldId="286"/>
         </pc:sldMkLst>
-      </pc:sldChg>
-    </pc:docChg>
-  </pc:docChgLst>
-  <pc:docChgLst>
-    <pc:chgData name="dhina.gaja" userId="S::dhina.gaja_gmail.com#ext#@ktripathy.onmicrosoft.com::20794bad-9f8f-4c30-bedb-71eb7e8fa748" providerId="AD" clId="Web-{16650894-7062-4A40-8099-3457C89D17BD}"/>
-    <pc:docChg chg="addSld delSld modSld">
-      <pc:chgData name="dhina.gaja" userId="S::dhina.gaja_gmail.com#ext#@ktripathy.onmicrosoft.com::20794bad-9f8f-4c30-bedb-71eb7e8fa748" providerId="AD" clId="Web-{16650894-7062-4A40-8099-3457C89D17BD}" dt="2021-01-09T05:15:14.397" v="313" actId="20577"/>
-      <pc:docMkLst>
-        <pc:docMk/>
-      </pc:docMkLst>
-      <pc:sldChg chg="modSp">
-        <pc:chgData name="dhina.gaja" userId="S::dhina.gaja_gmail.com#ext#@ktripathy.onmicrosoft.com::20794bad-9f8f-4c30-bedb-71eb7e8fa748" providerId="AD" clId="Web-{16650894-7062-4A40-8099-3457C89D17BD}" dt="2021-01-09T05:13:20.333" v="304" actId="20577"/>
-        <pc:sldMkLst>
-          <pc:docMk/>
-          <pc:sldMk cId="2395435843" sldId="274"/>
-        </pc:sldMkLst>
-        <pc:spChg chg="mod">
-          <ac:chgData name="dhina.gaja" userId="S::dhina.gaja_gmail.com#ext#@ktripathy.onmicrosoft.com::20794bad-9f8f-4c30-bedb-71eb7e8fa748" providerId="AD" clId="Web-{16650894-7062-4A40-8099-3457C89D17BD}" dt="2021-01-09T05:13:16.818" v="300" actId="20577"/>
-          <ac:spMkLst>
-            <pc:docMk/>
-            <pc:sldMk cId="2395435843" sldId="274"/>
-            <ac:spMk id="2" creationId="{B1CEE9F9-7DA5-46BE-8FD3-98FC7600B400}"/>
-          </ac:spMkLst>
-        </pc:spChg>
-        <pc:spChg chg="mod">
-          <ac:chgData name="dhina.gaja" userId="S::dhina.gaja_gmail.com#ext#@ktripathy.onmicrosoft.com::20794bad-9f8f-4c30-bedb-71eb7e8fa748" providerId="AD" clId="Web-{16650894-7062-4A40-8099-3457C89D17BD}" dt="2021-01-09T05:13:20.333" v="304" actId="20577"/>
-          <ac:spMkLst>
-            <pc:docMk/>
-            <pc:sldMk cId="2395435843" sldId="274"/>
-            <ac:spMk id="3" creationId="{87541EC9-263C-4672-B5CC-D58181D9EC46}"/>
-          </ac:spMkLst>
-        </pc:spChg>
-      </pc:sldChg>
-      <pc:sldChg chg="modSp">
-        <pc:chgData name="dhina.gaja" userId="S::dhina.gaja_gmail.com#ext#@ktripathy.onmicrosoft.com::20794bad-9f8f-4c30-bedb-71eb7e8fa748" providerId="AD" clId="Web-{16650894-7062-4A40-8099-3457C89D17BD}" dt="2021-01-09T05:15:12.615" v="311" actId="20577"/>
-        <pc:sldMkLst>
-          <pc:docMk/>
-          <pc:sldMk cId="4138252610" sldId="280"/>
-        </pc:sldMkLst>
-        <pc:spChg chg="mod">
-          <ac:chgData name="dhina.gaja" userId="S::dhina.gaja_gmail.com#ext#@ktripathy.onmicrosoft.com::20794bad-9f8f-4c30-bedb-71eb7e8fa748" providerId="AD" clId="Web-{16650894-7062-4A40-8099-3457C89D17BD}" dt="2021-01-09T05:15:12.615" v="311" actId="20577"/>
-          <ac:spMkLst>
-            <pc:docMk/>
-            <pc:sldMk cId="4138252610" sldId="280"/>
-            <ac:spMk id="2" creationId="{12233200-9E83-4FFD-8A31-1D80C3550579}"/>
-          </ac:spMkLst>
-        </pc:spChg>
-        <pc:spChg chg="mod">
-          <ac:chgData name="dhina.gaja" userId="S::dhina.gaja_gmail.com#ext#@ktripathy.onmicrosoft.com::20794bad-9f8f-4c30-bedb-71eb7e8fa748" providerId="AD" clId="Web-{16650894-7062-4A40-8099-3457C89D17BD}" dt="2021-01-09T05:15:04.709" v="310" actId="1076"/>
-          <ac:spMkLst>
-            <pc:docMk/>
-            <pc:sldMk cId="4138252610" sldId="280"/>
-            <ac:spMk id="5" creationId="{D0EF7A67-E46C-4B60-B71D-A4D694261DB2}"/>
-          </ac:spMkLst>
-        </pc:spChg>
-        <pc:picChg chg="mod">
-          <ac:chgData name="dhina.gaja" userId="S::dhina.gaja_gmail.com#ext#@ktripathy.onmicrosoft.com::20794bad-9f8f-4c30-bedb-71eb7e8fa748" providerId="AD" clId="Web-{16650894-7062-4A40-8099-3457C89D17BD}" dt="2021-01-09T05:14:50.912" v="309" actId="1076"/>
-          <ac:picMkLst>
-            <pc:docMk/>
-            <pc:sldMk cId="4138252610" sldId="280"/>
-            <ac:picMk id="4" creationId="{1AEC8162-D9C6-434D-9467-952F69B3534C}"/>
-          </ac:picMkLst>
-        </pc:picChg>
-      </pc:sldChg>
-      <pc:sldChg chg="modSp">
-        <pc:chgData name="dhina.gaja" userId="S::dhina.gaja_gmail.com#ext#@ktripathy.onmicrosoft.com::20794bad-9f8f-4c30-bedb-71eb7e8fa748" providerId="AD" clId="Web-{16650894-7062-4A40-8099-3457C89D17BD}" dt="2021-01-09T05:11:43.161" v="290" actId="1076"/>
-        <pc:sldMkLst>
-          <pc:docMk/>
-          <pc:sldMk cId="57221588" sldId="283"/>
-        </pc:sldMkLst>
-        <pc:spChg chg="mod">
-          <ac:chgData name="dhina.gaja" userId="S::dhina.gaja_gmail.com#ext#@ktripathy.onmicrosoft.com::20794bad-9f8f-4c30-bedb-71eb7e8fa748" providerId="AD" clId="Web-{16650894-7062-4A40-8099-3457C89D17BD}" dt="2021-01-09T05:11:43.161" v="290" actId="1076"/>
-          <ac:spMkLst>
-            <pc:docMk/>
-            <pc:sldMk cId="57221588" sldId="283"/>
-            <ac:spMk id="2" creationId="{49C9B5A3-FEB9-4BF6-81BD-4A1A0DEE9458}"/>
-          </ac:spMkLst>
-        </pc:spChg>
-        <pc:spChg chg="mod">
-          <ac:chgData name="dhina.gaja" userId="S::dhina.gaja_gmail.com#ext#@ktripathy.onmicrosoft.com::20794bad-9f8f-4c30-bedb-71eb7e8fa748" providerId="AD" clId="Web-{16650894-7062-4A40-8099-3457C89D17BD}" dt="2021-01-09T05:11:36.864" v="289" actId="14100"/>
-          <ac:spMkLst>
-            <pc:docMk/>
-            <pc:sldMk cId="57221588" sldId="283"/>
-            <ac:spMk id="3" creationId="{2150AFDD-1AE3-4568-B000-B1E8BCEF185D}"/>
-          </ac:spMkLst>
-        </pc:spChg>
-      </pc:sldChg>
-      <pc:sldChg chg="addSp modSp">
-        <pc:chgData name="dhina.gaja" userId="S::dhina.gaja_gmail.com#ext#@ktripathy.onmicrosoft.com::20794bad-9f8f-4c30-bedb-71eb7e8fa748" providerId="AD" clId="Web-{16650894-7062-4A40-8099-3457C89D17BD}" dt="2021-01-09T05:12:54.443" v="297"/>
-        <pc:sldMkLst>
-          <pc:docMk/>
-          <pc:sldMk cId="460613329" sldId="284"/>
-        </pc:sldMkLst>
-        <pc:spChg chg="add mod">
-          <ac:chgData name="dhina.gaja" userId="S::dhina.gaja_gmail.com#ext#@ktripathy.onmicrosoft.com::20794bad-9f8f-4c30-bedb-71eb7e8fa748" providerId="AD" clId="Web-{16650894-7062-4A40-8099-3457C89D17BD}" dt="2021-01-09T05:12:54.443" v="297"/>
-          <ac:spMkLst>
-            <pc:docMk/>
-            <pc:sldMk cId="460613329" sldId="284"/>
-            <ac:spMk id="3" creationId="{078D7EEC-238E-4501-8639-F28FEA6E07EA}"/>
-          </ac:spMkLst>
-        </pc:spChg>
-        <pc:spChg chg="mod">
-          <ac:chgData name="dhina.gaja" userId="S::dhina.gaja_gmail.com#ext#@ktripathy.onmicrosoft.com::20794bad-9f8f-4c30-bedb-71eb7e8fa748" providerId="AD" clId="Web-{16650894-7062-4A40-8099-3457C89D17BD}" dt="2021-01-09T05:12:47.443" v="296" actId="1076"/>
-          <ac:spMkLst>
-            <pc:docMk/>
-            <pc:sldMk cId="460613329" sldId="284"/>
-            <ac:spMk id="6" creationId="{497F53FD-FCE2-4CF0-8021-C58214CA32DD}"/>
-          </ac:spMkLst>
-        </pc:spChg>
-      </pc:sldChg>
-      <pc:sldChg chg="modSp add replId">
-        <pc:chgData name="dhina.gaja" userId="S::dhina.gaja_gmail.com#ext#@ktripathy.onmicrosoft.com::20794bad-9f8f-4c30-bedb-71eb7e8fa748" providerId="AD" clId="Web-{16650894-7062-4A40-8099-3457C89D17BD}" dt="2021-01-09T05:11:16.895" v="285" actId="20577"/>
-        <pc:sldMkLst>
-          <pc:docMk/>
-          <pc:sldMk cId="3936304813" sldId="287"/>
-        </pc:sldMkLst>
-        <pc:spChg chg="mod">
-          <ac:chgData name="dhina.gaja" userId="S::dhina.gaja_gmail.com#ext#@ktripathy.onmicrosoft.com::20794bad-9f8f-4c30-bedb-71eb7e8fa748" providerId="AD" clId="Web-{16650894-7062-4A40-8099-3457C89D17BD}" dt="2021-01-09T05:11:16.895" v="285" actId="20577"/>
-          <ac:spMkLst>
-            <pc:docMk/>
-            <pc:sldMk cId="3936304813" sldId="287"/>
-            <ac:spMk id="2" creationId="{62EF540C-63D9-4102-9168-DD270C7DEE76}"/>
-          </ac:spMkLst>
-        </pc:spChg>
-        <pc:spChg chg="mod">
-          <ac:chgData name="dhina.gaja" userId="S::dhina.gaja_gmail.com#ext#@ktripathy.onmicrosoft.com::20794bad-9f8f-4c30-bedb-71eb7e8fa748" providerId="AD" clId="Web-{16650894-7062-4A40-8099-3457C89D17BD}" dt="2021-01-09T05:04:44.903" v="251" actId="1076"/>
-          <ac:spMkLst>
-            <pc:docMk/>
-            <pc:sldMk cId="3936304813" sldId="287"/>
-            <ac:spMk id="3" creationId="{2B258DCE-7C48-4DD8-AE50-AF69CD5ACED3}"/>
-          </ac:spMkLst>
-        </pc:spChg>
-      </pc:sldChg>
-      <pc:sldChg chg="modSp add mod replId setBg">
-        <pc:chgData name="dhina.gaja" userId="S::dhina.gaja_gmail.com#ext#@ktripathy.onmicrosoft.com::20794bad-9f8f-4c30-bedb-71eb7e8fa748" providerId="AD" clId="Web-{16650894-7062-4A40-8099-3457C89D17BD}" dt="2021-01-09T05:13:48.568" v="306" actId="20577"/>
-        <pc:sldMkLst>
-          <pc:docMk/>
-          <pc:sldMk cId="1923790184" sldId="288"/>
-        </pc:sldMkLst>
-        <pc:spChg chg="mod">
-          <ac:chgData name="dhina.gaja" userId="S::dhina.gaja_gmail.com#ext#@ktripathy.onmicrosoft.com::20794bad-9f8f-4c30-bedb-71eb7e8fa748" providerId="AD" clId="Web-{16650894-7062-4A40-8099-3457C89D17BD}" dt="2021-01-09T05:13:48.568" v="306" actId="20577"/>
-          <ac:spMkLst>
-            <pc:docMk/>
-            <pc:sldMk cId="1923790184" sldId="288"/>
-            <ac:spMk id="2" creationId="{794D0EC6-F4E1-4C75-B230-2C38DA40A650}"/>
-          </ac:spMkLst>
-        </pc:spChg>
       </pc:sldChg>
     </pc:docChg>
   </pc:docChgLst>
@@ -2665,7 +2665,7 @@
           <a:p>
             <a:fld id="{E48EF238-771A-4086-BC2A-86F3ACCCAA59}" type="datetimeFigureOut">
               <a:rPr lang="en-US" smtClean="0"/>
-              <a:t>1/11/2021</a:t>
+              <a:t>2/5/2021</a:t>
             </a:fld>
             <a:endParaRPr lang="en-US"/>
           </a:p>
@@ -4020,7 +4020,7 @@
 </file>
 
 <file path=ppt/slideLayouts/slideLayout10.xml><?xml version="1.0" encoding="utf-8"?>
-<p:sldLayout xmlns:a="http://schemas.openxmlformats.org/drawingml/2006/main" xmlns:r="http://schemas.openxmlformats.org/officeDocument/2006/relationships" xmlns:p="http://schemas.openxmlformats.org/presentationml/2006/main" showMasterSp="0" preserve="1" userDrawn="1">
+<p:sldLayout xmlns:a="http://schemas.openxmlformats.org/drawingml/2006/main" xmlns:r="http://schemas.openxmlformats.org/officeDocument/2006/relationships" xmlns:p="http://schemas.openxmlformats.org/presentationml/2006/main" preserve="1" userDrawn="1">
   <p:cSld name="Demo Slide Green">
     <p:bg>
       <p:bgPr>
@@ -4044,65 +4044,6 @@
           <a:chExt cx="0" cy="0"/>
         </a:xfrm>
       </p:grpSpPr>
-      <p:sp>
-        <p:nvSpPr>
-          <p:cNvPr id="7" name="TextBox 6">
-            <a:extLst>
-              <a:ext uri="{FF2B5EF4-FFF2-40B4-BE49-F238E27FC236}">
-                <a16:creationId xmlns:a16="http://schemas.microsoft.com/office/drawing/2014/main" id="{65005B1F-8328-4164-B84C-D9FD9044644F}"/>
-              </a:ext>
-            </a:extLst>
-          </p:cNvPr>
-          <p:cNvSpPr txBox="1"/>
-          <p:nvPr userDrawn="1"/>
-        </p:nvSpPr>
-        <p:spPr>
-          <a:xfrm>
-            <a:off x="5785338" y="6110275"/>
-            <a:ext cx="5423496" cy="369332"/>
-          </a:xfrm>
-          <a:prstGeom prst="rect">
-            <a:avLst/>
-          </a:prstGeom>
-          <a:noFill/>
-        </p:spPr>
-        <p:txBody>
-          <a:bodyPr wrap="square" rtlCol="0">
-            <a:spAutoFit/>
-          </a:bodyPr>
-          <a:lstStyle/>
-          <a:p>
-            <a:pPr marL="0" marR="0" lvl="0" indent="0" algn="r" defTabSz="914400" rtl="0" eaLnBrk="1" fontAlgn="auto" latinLnBrk="0" hangingPunct="1">
-              <a:lnSpc>
-                <a:spcPct val="100000"/>
-              </a:lnSpc>
-              <a:spcBef>
-                <a:spcPts val="0"/>
-              </a:spcBef>
-              <a:spcAft>
-                <a:spcPts val="0"/>
-              </a:spcAft>
-              <a:buClrTx/>
-              <a:buSzTx/>
-              <a:buFontTx/>
-              <a:buNone/>
-              <a:tabLst/>
-              <a:defRPr/>
-            </a:pPr>
-            <a:r>
-              <a:rPr lang="en-US" sz="1800" b="0" kern="1200" dirty="0">
-                <a:solidFill>
-                  <a:schemeClr val="bg1"/>
-                </a:solidFill>
-                <a:latin typeface="+mj-lt"/>
-                <a:ea typeface="+mn-ea"/>
-                <a:cs typeface="Segoe UI Semibold" panose="020B0702040204020203" pitchFamily="34" charset="0"/>
-              </a:rPr>
-              <a:t>#GlobalPowerPlatformBootcamp       #GPPB2021</a:t>
-            </a:r>
-          </a:p>
-        </p:txBody>
-      </p:sp>
       <p:sp>
         <p:nvSpPr>
           <p:cNvPr id="9" name="Title 1">
@@ -4146,42 +4087,6 @@
           </a:p>
         </p:txBody>
       </p:sp>
-      <p:pic>
-        <p:nvPicPr>
-          <p:cNvPr id="5" name="Picture 4" descr="Icon&#10;&#10;Description generated with very high confidence">
-            <a:extLst>
-              <a:ext uri="{FF2B5EF4-FFF2-40B4-BE49-F238E27FC236}">
-                <a16:creationId xmlns:a16="http://schemas.microsoft.com/office/drawing/2014/main" id="{46AC23DD-7BF4-4238-96EC-D31921402817}"/>
-              </a:ext>
-            </a:extLst>
-          </p:cNvPr>
-          <p:cNvPicPr>
-            <a:picLocks noChangeAspect="1"/>
-          </p:cNvPicPr>
-          <p:nvPr userDrawn="1"/>
-        </p:nvPicPr>
-        <p:blipFill>
-          <a:blip r:embed="rId2">
-            <a:extLst>
-              <a:ext uri="{28A0092B-C50C-407E-A947-70E740481C1C}">
-                <a14:useLocalDpi xmlns:a14="http://schemas.microsoft.com/office/drawing/2010/main" val="0"/>
-              </a:ext>
-            </a:extLst>
-          </a:blip>
-          <a:stretch>
-            <a:fillRect/>
-          </a:stretch>
-        </p:blipFill>
-        <p:spPr>
-          <a:xfrm>
-            <a:off x="615546" y="5912386"/>
-            <a:ext cx="735239" cy="765110"/>
-          </a:xfrm>
-          <a:prstGeom prst="rect">
-            <a:avLst/>
-          </a:prstGeom>
-        </p:spPr>
-      </p:pic>
     </p:spTree>
     <p:extLst>
       <p:ext uri="{BB962C8B-B14F-4D97-AF65-F5344CB8AC3E}">
@@ -4196,7 +4101,7 @@
 </file>
 
 <file path=ppt/slideLayouts/slideLayout11.xml><?xml version="1.0" encoding="utf-8"?>
-<p:sldLayout xmlns:a="http://schemas.openxmlformats.org/drawingml/2006/main" xmlns:r="http://schemas.openxmlformats.org/officeDocument/2006/relationships" xmlns:p="http://schemas.openxmlformats.org/presentationml/2006/main" showMasterSp="0" preserve="1" userDrawn="1">
+<p:sldLayout xmlns:a="http://schemas.openxmlformats.org/drawingml/2006/main" xmlns:r="http://schemas.openxmlformats.org/officeDocument/2006/relationships" xmlns:p="http://schemas.openxmlformats.org/presentationml/2006/main" preserve="1" userDrawn="1">
   <p:cSld name="Demo Slide White">
     <p:bg>
       <p:bgRef idx="1003">
@@ -4217,82 +4122,6 @@
           <a:chExt cx="0" cy="0"/>
         </a:xfrm>
       </p:grpSpPr>
-      <p:sp>
-        <p:nvSpPr>
-          <p:cNvPr id="7" name="TextBox 6">
-            <a:extLst>
-              <a:ext uri="{FF2B5EF4-FFF2-40B4-BE49-F238E27FC236}">
-                <a16:creationId xmlns:a16="http://schemas.microsoft.com/office/drawing/2014/main" id="{CA3E356C-87B5-43AA-98B0-26F9D0EC9D5C}"/>
-              </a:ext>
-            </a:extLst>
-          </p:cNvPr>
-          <p:cNvSpPr txBox="1"/>
-          <p:nvPr userDrawn="1"/>
-        </p:nvSpPr>
-        <p:spPr>
-          <a:xfrm>
-            <a:off x="6851926" y="6234324"/>
-            <a:ext cx="4550339" cy="369332"/>
-          </a:xfrm>
-          <a:prstGeom prst="rect">
-            <a:avLst/>
-          </a:prstGeom>
-          <a:noFill/>
-        </p:spPr>
-        <p:txBody>
-          <a:bodyPr wrap="square" rtlCol="0">
-            <a:spAutoFit/>
-          </a:bodyPr>
-          <a:lstStyle/>
-          <a:p>
-            <a:pPr marL="0" marR="0" lvl="0" indent="0" algn="r" defTabSz="914400" rtl="0" eaLnBrk="1" fontAlgn="auto" latinLnBrk="0" hangingPunct="1">
-              <a:lnSpc>
-                <a:spcPct val="100000"/>
-              </a:lnSpc>
-              <a:spcBef>
-                <a:spcPts val="0"/>
-              </a:spcBef>
-              <a:spcAft>
-                <a:spcPts val="0"/>
-              </a:spcAft>
-              <a:buClrTx/>
-              <a:buSzTx/>
-              <a:buFontTx/>
-              <a:buNone/>
-              <a:tabLst/>
-              <a:defRPr/>
-            </a:pPr>
-            <a:r>
-              <a:rPr lang="en-US" sz="1800" b="0" dirty="0">
-                <a:solidFill>
-                  <a:srgbClr val="732773"/>
-                </a:solidFill>
-                <a:latin typeface="Segoe UI Semibold" panose="020B0702040204020203" pitchFamily="34" charset="0"/>
-                <a:cs typeface="Segoe UI Semibold" panose="020B0702040204020203" pitchFamily="34" charset="0"/>
-              </a:rPr>
-              <a:t> </a:t>
-            </a:r>
-            <a:r>
-              <a:rPr lang="en-US" sz="1800" b="0" kern="1200" dirty="0">
-                <a:solidFill>
-                  <a:srgbClr val="732773"/>
-                </a:solidFill>
-                <a:latin typeface="+mj-lt"/>
-                <a:ea typeface="+mn-ea"/>
-                <a:cs typeface="Segoe UI Semibold" panose="020B0702040204020203" pitchFamily="34" charset="0"/>
-              </a:rPr>
-              <a:t>#GlobalPowerPlatformBootcamp      #GPPB2021</a:t>
-            </a:r>
-            <a:endParaRPr lang="en-US" sz="1800" b="0" dirty="0">
-              <a:solidFill>
-                <a:srgbClr val="732773"/>
-              </a:solidFill>
-              <a:latin typeface="Segoe UI Semibold" panose="020B0702040204020203" pitchFamily="34" charset="0"/>
-              <a:cs typeface="Segoe UI Semibold" panose="020B0702040204020203" pitchFamily="34" charset="0"/>
-            </a:endParaRPr>
-          </a:p>
-        </p:txBody>
-      </p:sp>
       <p:sp>
         <p:nvSpPr>
           <p:cNvPr id="10" name="Title 1">
@@ -4336,42 +4165,6 @@
           </a:p>
         </p:txBody>
       </p:sp>
-      <p:pic>
-        <p:nvPicPr>
-          <p:cNvPr id="5" name="Picture 4" descr="Icon&#10;&#10;Description generated with very high confidence">
-            <a:extLst>
-              <a:ext uri="{FF2B5EF4-FFF2-40B4-BE49-F238E27FC236}">
-                <a16:creationId xmlns:a16="http://schemas.microsoft.com/office/drawing/2014/main" id="{02CE42CC-7D74-49C2-9664-858F13D32EC1}"/>
-              </a:ext>
-            </a:extLst>
-          </p:cNvPr>
-          <p:cNvPicPr>
-            <a:picLocks noChangeAspect="1"/>
-          </p:cNvPicPr>
-          <p:nvPr userDrawn="1"/>
-        </p:nvPicPr>
-        <p:blipFill>
-          <a:blip r:embed="rId2">
-            <a:extLst>
-              <a:ext uri="{28A0092B-C50C-407E-A947-70E740481C1C}">
-                <a14:useLocalDpi xmlns:a14="http://schemas.microsoft.com/office/drawing/2010/main" val="0"/>
-              </a:ext>
-            </a:extLst>
-          </a:blip>
-          <a:stretch>
-            <a:fillRect/>
-          </a:stretch>
-        </p:blipFill>
-        <p:spPr>
-          <a:xfrm>
-            <a:off x="789735" y="6036435"/>
-            <a:ext cx="735239" cy="765110"/>
-          </a:xfrm>
-          <a:prstGeom prst="rect">
-            <a:avLst/>
-          </a:prstGeom>
-        </p:spPr>
-      </p:pic>
     </p:spTree>
     <p:extLst>
       <p:ext uri="{BB962C8B-B14F-4D97-AF65-F5344CB8AC3E}">
@@ -4386,7 +4179,7 @@
 </file>
 
 <file path=ppt/slideLayouts/slideLayout12.xml><?xml version="1.0" encoding="utf-8"?>
-<p:sldLayout xmlns:a="http://schemas.openxmlformats.org/drawingml/2006/main" xmlns:r="http://schemas.openxmlformats.org/officeDocument/2006/relationships" xmlns:p="http://schemas.openxmlformats.org/presentationml/2006/main" showMasterSp="0" preserve="1" userDrawn="1">
+<p:sldLayout xmlns:a="http://schemas.openxmlformats.org/drawingml/2006/main" xmlns:r="http://schemas.openxmlformats.org/officeDocument/2006/relationships" xmlns:p="http://schemas.openxmlformats.org/presentationml/2006/main" preserve="1" userDrawn="1">
   <p:cSld name="Section Title Grey">
     <p:bg>
       <p:bgPr>
@@ -4453,141 +4246,6 @@
           </a:p>
         </p:txBody>
       </p:sp>
-      <p:sp>
-        <p:nvSpPr>
-          <p:cNvPr id="6" name="TextBox 5">
-            <a:extLst>
-              <a:ext uri="{FF2B5EF4-FFF2-40B4-BE49-F238E27FC236}">
-                <a16:creationId xmlns:a16="http://schemas.microsoft.com/office/drawing/2014/main" id="{F9C6FE04-417E-4A81-89C2-60346E21290B}"/>
-              </a:ext>
-            </a:extLst>
-          </p:cNvPr>
-          <p:cNvSpPr txBox="1"/>
-          <p:nvPr userDrawn="1"/>
-        </p:nvSpPr>
-        <p:spPr>
-          <a:xfrm>
-            <a:off x="5117123" y="6110275"/>
-            <a:ext cx="6091711" cy="369332"/>
-          </a:xfrm>
-          <a:prstGeom prst="rect">
-            <a:avLst/>
-          </a:prstGeom>
-          <a:noFill/>
-        </p:spPr>
-        <p:txBody>
-          <a:bodyPr wrap="square" rtlCol="0">
-            <a:spAutoFit/>
-          </a:bodyPr>
-          <a:lstStyle/>
-          <a:p>
-            <a:pPr marL="0" marR="0" lvl="0" indent="0" algn="r" defTabSz="914400" rtl="0" eaLnBrk="1" fontAlgn="auto" latinLnBrk="0" hangingPunct="1">
-              <a:lnSpc>
-                <a:spcPct val="100000"/>
-              </a:lnSpc>
-              <a:spcBef>
-                <a:spcPts val="0"/>
-              </a:spcBef>
-              <a:spcAft>
-                <a:spcPts val="0"/>
-              </a:spcAft>
-              <a:buClrTx/>
-              <a:buSzTx/>
-              <a:buFontTx/>
-              <a:buNone/>
-              <a:tabLst/>
-              <a:defRPr/>
-            </a:pPr>
-            <a:r>
-              <a:rPr lang="en-US" sz="1800" b="0" kern="1200" dirty="0">
-                <a:solidFill>
-                  <a:schemeClr val="bg1"/>
-                </a:solidFill>
-                <a:latin typeface="+mn-lt"/>
-                <a:ea typeface="+mn-ea"/>
-                <a:cs typeface="Segoe UI Semibold" panose="020B0702040204020203" pitchFamily="34" charset="0"/>
-              </a:rPr>
-              <a:t>#</a:t>
-            </a:r>
-            <a:r>
-              <a:rPr lang="en-US" sz="1800" b="0" kern="1200" dirty="0">
-                <a:solidFill>
-                  <a:schemeClr val="bg1"/>
-                </a:solidFill>
-                <a:latin typeface="+mj-lt"/>
-                <a:ea typeface="+mn-ea"/>
-                <a:cs typeface="Segoe UI Semibold" panose="020B0702040204020203" pitchFamily="34" charset="0"/>
-              </a:rPr>
-              <a:t>GlobalPowerPlatformBootcamp</a:t>
-            </a:r>
-            <a:r>
-              <a:rPr lang="en-US" sz="1800" b="0" kern="1200" dirty="0">
-                <a:solidFill>
-                  <a:schemeClr val="bg1"/>
-                </a:solidFill>
-                <a:latin typeface="+mn-lt"/>
-                <a:ea typeface="+mn-ea"/>
-                <a:cs typeface="Segoe UI Semibold" panose="020B0702040204020203" pitchFamily="34" charset="0"/>
-              </a:rPr>
-              <a:t>      </a:t>
-            </a:r>
-            <a:r>
-              <a:rPr lang="en-US" sz="1800" b="0" kern="1200" dirty="0">
-                <a:solidFill>
-                  <a:schemeClr val="bg1"/>
-                </a:solidFill>
-                <a:latin typeface="+mj-lt"/>
-                <a:ea typeface="+mn-ea"/>
-                <a:cs typeface="Segoe UI Semibold" panose="020B0702040204020203" pitchFamily="34" charset="0"/>
-              </a:rPr>
-              <a:t>#GPPB2021</a:t>
-            </a:r>
-            <a:endParaRPr lang="en-US" sz="1800" b="0" dirty="0">
-              <a:solidFill>
-                <a:schemeClr val="bg1"/>
-              </a:solidFill>
-              <a:latin typeface="Segoe UI Semibold" panose="020B0702040204020203" pitchFamily="34" charset="0"/>
-              <a:cs typeface="Segoe UI Semibold" panose="020B0702040204020203" pitchFamily="34" charset="0"/>
-            </a:endParaRPr>
-          </a:p>
-        </p:txBody>
-      </p:sp>
-      <p:pic>
-        <p:nvPicPr>
-          <p:cNvPr id="7" name="Picture 6" descr="Icon&#10;&#10;Description generated with very high confidence">
-            <a:extLst>
-              <a:ext uri="{FF2B5EF4-FFF2-40B4-BE49-F238E27FC236}">
-                <a16:creationId xmlns:a16="http://schemas.microsoft.com/office/drawing/2014/main" id="{B7D7020C-DF50-4B36-BA1B-C703264701CD}"/>
-              </a:ext>
-            </a:extLst>
-          </p:cNvPr>
-          <p:cNvPicPr>
-            <a:picLocks noChangeAspect="1"/>
-          </p:cNvPicPr>
-          <p:nvPr userDrawn="1"/>
-        </p:nvPicPr>
-        <p:blipFill>
-          <a:blip r:embed="rId2">
-            <a:extLst>
-              <a:ext uri="{28A0092B-C50C-407E-A947-70E740481C1C}">
-                <a14:useLocalDpi xmlns:a14="http://schemas.microsoft.com/office/drawing/2010/main" val="0"/>
-              </a:ext>
-            </a:extLst>
-          </a:blip>
-          <a:stretch>
-            <a:fillRect/>
-          </a:stretch>
-        </p:blipFill>
-        <p:spPr>
-          <a:xfrm>
-            <a:off x="983166" y="5912386"/>
-            <a:ext cx="735239" cy="765110"/>
-          </a:xfrm>
-          <a:prstGeom prst="rect">
-            <a:avLst/>
-          </a:prstGeom>
-        </p:spPr>
-      </p:pic>
     </p:spTree>
     <p:extLst>
       <p:ext uri="{BB962C8B-B14F-4D97-AF65-F5344CB8AC3E}">
@@ -4602,7 +4260,7 @@
 </file>
 
 <file path=ppt/slideLayouts/slideLayout13.xml><?xml version="1.0" encoding="utf-8"?>
-<p:sldLayout xmlns:a="http://schemas.openxmlformats.org/drawingml/2006/main" xmlns:r="http://schemas.openxmlformats.org/officeDocument/2006/relationships" xmlns:p="http://schemas.openxmlformats.org/presentationml/2006/main" showMasterSp="0" preserve="1" userDrawn="1">
+<p:sldLayout xmlns:a="http://schemas.openxmlformats.org/drawingml/2006/main" xmlns:r="http://schemas.openxmlformats.org/officeDocument/2006/relationships" xmlns:p="http://schemas.openxmlformats.org/presentationml/2006/main" preserve="1" userDrawn="1">
   <p:cSld name="Section Title Green">
     <p:bg>
       <p:bgPr>
@@ -4719,101 +4377,6 @@
           </a:p>
         </p:txBody>
       </p:sp>
-      <p:sp>
-        <p:nvSpPr>
-          <p:cNvPr id="6" name="TextBox 5">
-            <a:extLst>
-              <a:ext uri="{FF2B5EF4-FFF2-40B4-BE49-F238E27FC236}">
-                <a16:creationId xmlns:a16="http://schemas.microsoft.com/office/drawing/2014/main" id="{A827F757-9AA8-4813-97EF-0A7A111F5AEA}"/>
-              </a:ext>
-            </a:extLst>
-          </p:cNvPr>
-          <p:cNvSpPr txBox="1"/>
-          <p:nvPr userDrawn="1"/>
-        </p:nvSpPr>
-        <p:spPr>
-          <a:xfrm>
-            <a:off x="5785338" y="6110275"/>
-            <a:ext cx="5423496" cy="369332"/>
-          </a:xfrm>
-          <a:prstGeom prst="rect">
-            <a:avLst/>
-          </a:prstGeom>
-          <a:noFill/>
-        </p:spPr>
-        <p:txBody>
-          <a:bodyPr wrap="square" rtlCol="0">
-            <a:spAutoFit/>
-          </a:bodyPr>
-          <a:lstStyle/>
-          <a:p>
-            <a:pPr marL="0" marR="0" lvl="0" indent="0" algn="r" defTabSz="914400" rtl="0" eaLnBrk="1" fontAlgn="auto" latinLnBrk="0" hangingPunct="1">
-              <a:lnSpc>
-                <a:spcPct val="100000"/>
-              </a:lnSpc>
-              <a:spcBef>
-                <a:spcPts val="0"/>
-              </a:spcBef>
-              <a:spcAft>
-                <a:spcPts val="0"/>
-              </a:spcAft>
-              <a:buClrTx/>
-              <a:buSzTx/>
-              <a:buFontTx/>
-              <a:buNone/>
-              <a:tabLst/>
-              <a:defRPr/>
-            </a:pPr>
-            <a:r>
-              <a:rPr lang="en-US" sz="1800" b="0" kern="1200" dirty="0">
-                <a:solidFill>
-                  <a:schemeClr val="bg1"/>
-                </a:solidFill>
-                <a:latin typeface="+mj-lt"/>
-                <a:ea typeface="+mn-ea"/>
-                <a:cs typeface="Segoe UI Semibold" panose="020B0702040204020203" pitchFamily="34" charset="0"/>
-              </a:rPr>
-              <a:t>#GlobalPowerPlatformBootcamp       #GPPB2021</a:t>
-            </a:r>
-          </a:p>
-        </p:txBody>
-      </p:sp>
-      <p:pic>
-        <p:nvPicPr>
-          <p:cNvPr id="9" name="Picture 8" descr="Icon&#10;&#10;Description generated with very high confidence">
-            <a:extLst>
-              <a:ext uri="{FF2B5EF4-FFF2-40B4-BE49-F238E27FC236}">
-                <a16:creationId xmlns:a16="http://schemas.microsoft.com/office/drawing/2014/main" id="{F868ECF4-D455-4B37-821B-F01276A23D97}"/>
-              </a:ext>
-            </a:extLst>
-          </p:cNvPr>
-          <p:cNvPicPr>
-            <a:picLocks noChangeAspect="1"/>
-          </p:cNvPicPr>
-          <p:nvPr userDrawn="1"/>
-        </p:nvPicPr>
-        <p:blipFill>
-          <a:blip r:embed="rId2">
-            <a:extLst>
-              <a:ext uri="{28A0092B-C50C-407E-A947-70E740481C1C}">
-                <a14:useLocalDpi xmlns:a14="http://schemas.microsoft.com/office/drawing/2010/main" val="0"/>
-              </a:ext>
-            </a:extLst>
-          </a:blip>
-          <a:stretch>
-            <a:fillRect/>
-          </a:stretch>
-        </p:blipFill>
-        <p:spPr>
-          <a:xfrm>
-            <a:off x="983166" y="5912386"/>
-            <a:ext cx="735239" cy="765110"/>
-          </a:xfrm>
-          <a:prstGeom prst="rect">
-            <a:avLst/>
-          </a:prstGeom>
-        </p:spPr>
-      </p:pic>
     </p:spTree>
     <p:extLst>
       <p:ext uri="{BB962C8B-B14F-4D97-AF65-F5344CB8AC3E}">
@@ -4828,7 +4391,7 @@
 </file>
 
 <file path=ppt/slideLayouts/slideLayout14.xml><?xml version="1.0" encoding="utf-8"?>
-<p:sldLayout xmlns:a="http://schemas.openxmlformats.org/drawingml/2006/main" xmlns:r="http://schemas.openxmlformats.org/officeDocument/2006/relationships" xmlns:p="http://schemas.openxmlformats.org/presentationml/2006/main" showMasterSp="0" preserve="1" userDrawn="1">
+<p:sldLayout xmlns:a="http://schemas.openxmlformats.org/drawingml/2006/main" xmlns:r="http://schemas.openxmlformats.org/officeDocument/2006/relationships" xmlns:p="http://schemas.openxmlformats.org/presentationml/2006/main" preserve="1" userDrawn="1">
   <p:cSld name="Section Title White">
     <p:bg>
       <p:bgRef idx="1003">
@@ -4892,118 +4455,6 @@
           </a:p>
         </p:txBody>
       </p:sp>
-      <p:sp>
-        <p:nvSpPr>
-          <p:cNvPr id="6" name="TextBox 5">
-            <a:extLst>
-              <a:ext uri="{FF2B5EF4-FFF2-40B4-BE49-F238E27FC236}">
-                <a16:creationId xmlns:a16="http://schemas.microsoft.com/office/drawing/2014/main" id="{0CAF26A4-0F26-46D6-BB9B-78A0C8D7A777}"/>
-              </a:ext>
-            </a:extLst>
-          </p:cNvPr>
-          <p:cNvSpPr txBox="1"/>
-          <p:nvPr userDrawn="1"/>
-        </p:nvSpPr>
-        <p:spPr>
-          <a:xfrm>
-            <a:off x="6790380" y="6039937"/>
-            <a:ext cx="4550339" cy="369332"/>
-          </a:xfrm>
-          <a:prstGeom prst="rect">
-            <a:avLst/>
-          </a:prstGeom>
-          <a:noFill/>
-        </p:spPr>
-        <p:txBody>
-          <a:bodyPr wrap="square" rtlCol="0">
-            <a:spAutoFit/>
-          </a:bodyPr>
-          <a:lstStyle/>
-          <a:p>
-            <a:pPr marL="0" marR="0" lvl="0" indent="0" algn="r" defTabSz="914400" rtl="0" eaLnBrk="1" fontAlgn="auto" latinLnBrk="0" hangingPunct="1">
-              <a:lnSpc>
-                <a:spcPct val="100000"/>
-              </a:lnSpc>
-              <a:spcBef>
-                <a:spcPts val="0"/>
-              </a:spcBef>
-              <a:spcAft>
-                <a:spcPts val="0"/>
-              </a:spcAft>
-              <a:buClrTx/>
-              <a:buSzTx/>
-              <a:buFontTx/>
-              <a:buNone/>
-              <a:tabLst/>
-              <a:defRPr/>
-            </a:pPr>
-            <a:r>
-              <a:rPr lang="en-US" sz="1800" b="0" dirty="0">
-                <a:solidFill>
-                  <a:srgbClr val="732773"/>
-                </a:solidFill>
-                <a:latin typeface="Segoe UI Semibold" panose="020B0702040204020203" pitchFamily="34" charset="0"/>
-                <a:cs typeface="Segoe UI Semibold" panose="020B0702040204020203" pitchFamily="34" charset="0"/>
-              </a:rPr>
-              <a:t> </a:t>
-            </a:r>
-            <a:r>
-              <a:rPr lang="en-US" sz="1800" b="0" kern="1200" dirty="0">
-                <a:solidFill>
-                  <a:srgbClr val="732773"/>
-                </a:solidFill>
-                <a:latin typeface="+mj-lt"/>
-                <a:ea typeface="+mn-ea"/>
-                <a:cs typeface="Segoe UI Semibold" panose="020B0702040204020203" pitchFamily="34" charset="0"/>
-              </a:rPr>
-              <a:t>#GlobalPowerPlatformBootcamp      #GPPB2021</a:t>
-            </a:r>
-            <a:endParaRPr lang="en-US" sz="1800" b="0" dirty="0">
-              <a:solidFill>
-                <a:srgbClr val="732773"/>
-              </a:solidFill>
-              <a:latin typeface="Segoe UI Semibold" panose="020B0702040204020203" pitchFamily="34" charset="0"/>
-              <a:cs typeface="Segoe UI Semibold" panose="020B0702040204020203" pitchFamily="34" charset="0"/>
-            </a:endParaRPr>
-          </a:p>
-        </p:txBody>
-      </p:sp>
-      <p:pic>
-        <p:nvPicPr>
-          <p:cNvPr id="9" name="Picture 8" descr="Icon&#10;&#10;Description generated with very high confidence">
-            <a:extLst>
-              <a:ext uri="{FF2B5EF4-FFF2-40B4-BE49-F238E27FC236}">
-                <a16:creationId xmlns:a16="http://schemas.microsoft.com/office/drawing/2014/main" id="{F6A6236F-B9ED-4BA7-B082-AC7B1C74CB6D}"/>
-              </a:ext>
-            </a:extLst>
-          </p:cNvPr>
-          <p:cNvPicPr>
-            <a:picLocks noChangeAspect="1"/>
-          </p:cNvPicPr>
-          <p:nvPr userDrawn="1"/>
-        </p:nvPicPr>
-        <p:blipFill>
-          <a:blip r:embed="rId2">
-            <a:extLst>
-              <a:ext uri="{28A0092B-C50C-407E-A947-70E740481C1C}">
-                <a14:useLocalDpi xmlns:a14="http://schemas.microsoft.com/office/drawing/2010/main" val="0"/>
-              </a:ext>
-            </a:extLst>
-          </a:blip>
-          <a:stretch>
-            <a:fillRect/>
-          </a:stretch>
-        </p:blipFill>
-        <p:spPr>
-          <a:xfrm>
-            <a:off x="694677" y="5842048"/>
-            <a:ext cx="735239" cy="765110"/>
-          </a:xfrm>
-          <a:prstGeom prst="rect">
-            <a:avLst/>
-          </a:prstGeom>
-        </p:spPr>
-      </p:pic>
     </p:spTree>
     <p:extLst>
       <p:ext uri="{BB962C8B-B14F-4D97-AF65-F5344CB8AC3E}">
@@ -5018,7 +4469,7 @@
 </file>
 
 <file path=ppt/slideLayouts/slideLayout15.xml><?xml version="1.0" encoding="utf-8"?>
-<p:sldLayout xmlns:a="http://schemas.openxmlformats.org/drawingml/2006/main" xmlns:r="http://schemas.openxmlformats.org/officeDocument/2006/relationships" xmlns:p="http://schemas.openxmlformats.org/presentationml/2006/main" showMasterSp="0" type="blank" preserve="1">
+<p:sldLayout xmlns:a="http://schemas.openxmlformats.org/drawingml/2006/main" xmlns:r="http://schemas.openxmlformats.org/officeDocument/2006/relationships" xmlns:p="http://schemas.openxmlformats.org/presentationml/2006/main" type="blank" preserve="1">
   <p:cSld name="Blank Grey">
     <p:bg>
       <p:bgPr>
@@ -5042,141 +4493,6 @@
           <a:chExt cx="0" cy="0"/>
         </a:xfrm>
       </p:grpSpPr>
-      <p:sp>
-        <p:nvSpPr>
-          <p:cNvPr id="4" name="TextBox 3">
-            <a:extLst>
-              <a:ext uri="{FF2B5EF4-FFF2-40B4-BE49-F238E27FC236}">
-                <a16:creationId xmlns:a16="http://schemas.microsoft.com/office/drawing/2014/main" id="{BB4A2BC8-2EDD-4FF8-890A-45518E13EC44}"/>
-              </a:ext>
-            </a:extLst>
-          </p:cNvPr>
-          <p:cNvSpPr txBox="1"/>
-          <p:nvPr userDrawn="1"/>
-        </p:nvSpPr>
-        <p:spPr>
-          <a:xfrm>
-            <a:off x="5249008" y="6083898"/>
-            <a:ext cx="6091711" cy="369332"/>
-          </a:xfrm>
-          <a:prstGeom prst="rect">
-            <a:avLst/>
-          </a:prstGeom>
-          <a:noFill/>
-        </p:spPr>
-        <p:txBody>
-          <a:bodyPr wrap="square" rtlCol="0">
-            <a:spAutoFit/>
-          </a:bodyPr>
-          <a:lstStyle/>
-          <a:p>
-            <a:pPr marL="0" marR="0" lvl="0" indent="0" algn="r" defTabSz="914400" rtl="0" eaLnBrk="1" fontAlgn="auto" latinLnBrk="0" hangingPunct="1">
-              <a:lnSpc>
-                <a:spcPct val="100000"/>
-              </a:lnSpc>
-              <a:spcBef>
-                <a:spcPts val="0"/>
-              </a:spcBef>
-              <a:spcAft>
-                <a:spcPts val="0"/>
-              </a:spcAft>
-              <a:buClrTx/>
-              <a:buSzTx/>
-              <a:buFontTx/>
-              <a:buNone/>
-              <a:tabLst/>
-              <a:defRPr/>
-            </a:pPr>
-            <a:r>
-              <a:rPr lang="en-US" sz="1800" b="0" kern="1200" dirty="0">
-                <a:solidFill>
-                  <a:schemeClr val="bg1"/>
-                </a:solidFill>
-                <a:latin typeface="+mn-lt"/>
-                <a:ea typeface="+mn-ea"/>
-                <a:cs typeface="Segoe UI Semibold" panose="020B0702040204020203" pitchFamily="34" charset="0"/>
-              </a:rPr>
-              <a:t>#</a:t>
-            </a:r>
-            <a:r>
-              <a:rPr lang="en-US" sz="1800" b="0" kern="1200" dirty="0">
-                <a:solidFill>
-                  <a:schemeClr val="bg1"/>
-                </a:solidFill>
-                <a:latin typeface="+mj-lt"/>
-                <a:ea typeface="+mn-ea"/>
-                <a:cs typeface="Segoe UI Semibold" panose="020B0702040204020203" pitchFamily="34" charset="0"/>
-              </a:rPr>
-              <a:t>GlobalPowerPlatformBootcamp</a:t>
-            </a:r>
-            <a:r>
-              <a:rPr lang="en-US" sz="1800" b="0" kern="1200" dirty="0">
-                <a:solidFill>
-                  <a:schemeClr val="bg1"/>
-                </a:solidFill>
-                <a:latin typeface="+mn-lt"/>
-                <a:ea typeface="+mn-ea"/>
-                <a:cs typeface="Segoe UI Semibold" panose="020B0702040204020203" pitchFamily="34" charset="0"/>
-              </a:rPr>
-              <a:t>      </a:t>
-            </a:r>
-            <a:r>
-              <a:rPr lang="en-US" sz="1800" b="0" kern="1200" dirty="0">
-                <a:solidFill>
-                  <a:schemeClr val="bg1"/>
-                </a:solidFill>
-                <a:latin typeface="+mj-lt"/>
-                <a:ea typeface="+mn-ea"/>
-                <a:cs typeface="Segoe UI Semibold" panose="020B0702040204020203" pitchFamily="34" charset="0"/>
-              </a:rPr>
-              <a:t>#GPPB2021</a:t>
-            </a:r>
-            <a:endParaRPr lang="en-US" sz="1800" b="0" dirty="0">
-              <a:solidFill>
-                <a:schemeClr val="bg1"/>
-              </a:solidFill>
-              <a:latin typeface="Segoe UI Semibold" panose="020B0702040204020203" pitchFamily="34" charset="0"/>
-              <a:cs typeface="Segoe UI Semibold" panose="020B0702040204020203" pitchFamily="34" charset="0"/>
-            </a:endParaRPr>
-          </a:p>
-        </p:txBody>
-      </p:sp>
-      <p:pic>
-        <p:nvPicPr>
-          <p:cNvPr id="6" name="Picture 5" descr="Icon&#10;&#10;Description generated with very high confidence">
-            <a:extLst>
-              <a:ext uri="{FF2B5EF4-FFF2-40B4-BE49-F238E27FC236}">
-                <a16:creationId xmlns:a16="http://schemas.microsoft.com/office/drawing/2014/main" id="{9176C8DB-BA63-4274-8FA2-6708CD78316D}"/>
-              </a:ext>
-            </a:extLst>
-          </p:cNvPr>
-          <p:cNvPicPr>
-            <a:picLocks noChangeAspect="1"/>
-          </p:cNvPicPr>
-          <p:nvPr userDrawn="1"/>
-        </p:nvPicPr>
-        <p:blipFill>
-          <a:blip r:embed="rId2">
-            <a:extLst>
-              <a:ext uri="{28A0092B-C50C-407E-A947-70E740481C1C}">
-                <a14:useLocalDpi xmlns:a14="http://schemas.microsoft.com/office/drawing/2010/main" val="0"/>
-              </a:ext>
-            </a:extLst>
-          </a:blip>
-          <a:stretch>
-            <a:fillRect/>
-          </a:stretch>
-        </p:blipFill>
-        <p:spPr>
-          <a:xfrm>
-            <a:off x="851281" y="5886009"/>
-            <a:ext cx="735239" cy="765110"/>
-          </a:xfrm>
-          <a:prstGeom prst="rect">
-            <a:avLst/>
-          </a:prstGeom>
-        </p:spPr>
-      </p:pic>
     </p:spTree>
     <p:extLst>
       <p:ext uri="{BB962C8B-B14F-4D97-AF65-F5344CB8AC3E}">
@@ -5191,7 +4507,7 @@
 </file>
 
 <file path=ppt/slideLayouts/slideLayout16.xml><?xml version="1.0" encoding="utf-8"?>
-<p:sldLayout xmlns:a="http://schemas.openxmlformats.org/drawingml/2006/main" xmlns:r="http://schemas.openxmlformats.org/officeDocument/2006/relationships" xmlns:p="http://schemas.openxmlformats.org/presentationml/2006/main" showMasterSp="0" type="blank" preserve="1">
+<p:sldLayout xmlns:a="http://schemas.openxmlformats.org/drawingml/2006/main" xmlns:r="http://schemas.openxmlformats.org/officeDocument/2006/relationships" xmlns:p="http://schemas.openxmlformats.org/presentationml/2006/main" type="blank" preserve="1">
   <p:cSld name="Blank Green">
     <p:bg>
       <p:bgPr>
@@ -5215,101 +4531,6 @@
           <a:chExt cx="0" cy="0"/>
         </a:xfrm>
       </p:grpSpPr>
-      <p:sp>
-        <p:nvSpPr>
-          <p:cNvPr id="6" name="TextBox 5">
-            <a:extLst>
-              <a:ext uri="{FF2B5EF4-FFF2-40B4-BE49-F238E27FC236}">
-                <a16:creationId xmlns:a16="http://schemas.microsoft.com/office/drawing/2014/main" id="{D073FC19-7880-4419-A968-EEF7D5FF391A}"/>
-              </a:ext>
-            </a:extLst>
-          </p:cNvPr>
-          <p:cNvSpPr txBox="1"/>
-          <p:nvPr userDrawn="1"/>
-        </p:nvSpPr>
-        <p:spPr>
-          <a:xfrm>
-            <a:off x="5785338" y="6110275"/>
-            <a:ext cx="5423496" cy="369332"/>
-          </a:xfrm>
-          <a:prstGeom prst="rect">
-            <a:avLst/>
-          </a:prstGeom>
-          <a:noFill/>
-        </p:spPr>
-        <p:txBody>
-          <a:bodyPr wrap="square" rtlCol="0">
-            <a:spAutoFit/>
-          </a:bodyPr>
-          <a:lstStyle/>
-          <a:p>
-            <a:pPr marL="0" marR="0" lvl="0" indent="0" algn="r" defTabSz="914400" rtl="0" eaLnBrk="1" fontAlgn="auto" latinLnBrk="0" hangingPunct="1">
-              <a:lnSpc>
-                <a:spcPct val="100000"/>
-              </a:lnSpc>
-              <a:spcBef>
-                <a:spcPts val="0"/>
-              </a:spcBef>
-              <a:spcAft>
-                <a:spcPts val="0"/>
-              </a:spcAft>
-              <a:buClrTx/>
-              <a:buSzTx/>
-              <a:buFontTx/>
-              <a:buNone/>
-              <a:tabLst/>
-              <a:defRPr/>
-            </a:pPr>
-            <a:r>
-              <a:rPr lang="en-US" sz="1800" b="0" kern="1200" dirty="0">
-                <a:solidFill>
-                  <a:schemeClr val="bg1"/>
-                </a:solidFill>
-                <a:latin typeface="+mj-lt"/>
-                <a:ea typeface="+mn-ea"/>
-                <a:cs typeface="Segoe UI Semibold" panose="020B0702040204020203" pitchFamily="34" charset="0"/>
-              </a:rPr>
-              <a:t>#GlobalPowerPlatformBootcamp       #GPPB2021</a:t>
-            </a:r>
-          </a:p>
-        </p:txBody>
-      </p:sp>
-      <p:pic>
-        <p:nvPicPr>
-          <p:cNvPr id="7" name="Picture 6" descr="Icon&#10;&#10;Description generated with very high confidence">
-            <a:extLst>
-              <a:ext uri="{FF2B5EF4-FFF2-40B4-BE49-F238E27FC236}">
-                <a16:creationId xmlns:a16="http://schemas.microsoft.com/office/drawing/2014/main" id="{670D5F37-05E8-4036-AB7E-D888B9E8AC17}"/>
-              </a:ext>
-            </a:extLst>
-          </p:cNvPr>
-          <p:cNvPicPr>
-            <a:picLocks noChangeAspect="1"/>
-          </p:cNvPicPr>
-          <p:nvPr userDrawn="1"/>
-        </p:nvPicPr>
-        <p:blipFill>
-          <a:blip r:embed="rId2">
-            <a:extLst>
-              <a:ext uri="{28A0092B-C50C-407E-A947-70E740481C1C}">
-                <a14:useLocalDpi xmlns:a14="http://schemas.microsoft.com/office/drawing/2010/main" val="0"/>
-              </a:ext>
-            </a:extLst>
-          </a:blip>
-          <a:stretch>
-            <a:fillRect/>
-          </a:stretch>
-        </p:blipFill>
-        <p:spPr>
-          <a:xfrm>
-            <a:off x="983166" y="5850840"/>
-            <a:ext cx="735239" cy="765110"/>
-          </a:xfrm>
-          <a:prstGeom prst="rect">
-            <a:avLst/>
-          </a:prstGeom>
-        </p:spPr>
-      </p:pic>
     </p:spTree>
     <p:extLst>
       <p:ext uri="{BB962C8B-B14F-4D97-AF65-F5344CB8AC3E}">
@@ -5324,7 +4545,7 @@
 </file>
 
 <file path=ppt/slideLayouts/slideLayout17.xml><?xml version="1.0" encoding="utf-8"?>
-<p:sldLayout xmlns:a="http://schemas.openxmlformats.org/drawingml/2006/main" xmlns:r="http://schemas.openxmlformats.org/officeDocument/2006/relationships" xmlns:p="http://schemas.openxmlformats.org/presentationml/2006/main" showMasterSp="0" type="blank" preserve="1">
+<p:sldLayout xmlns:a="http://schemas.openxmlformats.org/drawingml/2006/main" xmlns:r="http://schemas.openxmlformats.org/officeDocument/2006/relationships" xmlns:p="http://schemas.openxmlformats.org/presentationml/2006/main" type="blank" preserve="1">
   <p:cSld name="Blank White">
     <p:bg>
       <p:bgRef idx="1003">
@@ -5345,118 +4566,6 @@
           <a:chExt cx="0" cy="0"/>
         </a:xfrm>
       </p:grpSpPr>
-      <p:sp>
-        <p:nvSpPr>
-          <p:cNvPr id="5" name="TextBox 4">
-            <a:extLst>
-              <a:ext uri="{FF2B5EF4-FFF2-40B4-BE49-F238E27FC236}">
-                <a16:creationId xmlns:a16="http://schemas.microsoft.com/office/drawing/2014/main" id="{7601158A-BDF3-4425-BFC8-BC56B8E353EE}"/>
-              </a:ext>
-            </a:extLst>
-          </p:cNvPr>
-          <p:cNvSpPr txBox="1"/>
-          <p:nvPr userDrawn="1"/>
-        </p:nvSpPr>
-        <p:spPr>
-          <a:xfrm>
-            <a:off x="6764003" y="5969619"/>
-            <a:ext cx="4550339" cy="369332"/>
-          </a:xfrm>
-          <a:prstGeom prst="rect">
-            <a:avLst/>
-          </a:prstGeom>
-          <a:noFill/>
-        </p:spPr>
-        <p:txBody>
-          <a:bodyPr wrap="square" rtlCol="0">
-            <a:spAutoFit/>
-          </a:bodyPr>
-          <a:lstStyle/>
-          <a:p>
-            <a:pPr marL="0" marR="0" lvl="0" indent="0" algn="r" defTabSz="914400" rtl="0" eaLnBrk="1" fontAlgn="auto" latinLnBrk="0" hangingPunct="1">
-              <a:lnSpc>
-                <a:spcPct val="100000"/>
-              </a:lnSpc>
-              <a:spcBef>
-                <a:spcPts val="0"/>
-              </a:spcBef>
-              <a:spcAft>
-                <a:spcPts val="0"/>
-              </a:spcAft>
-              <a:buClrTx/>
-              <a:buSzTx/>
-              <a:buFontTx/>
-              <a:buNone/>
-              <a:tabLst/>
-              <a:defRPr/>
-            </a:pPr>
-            <a:r>
-              <a:rPr lang="en-US" sz="1800" b="0" dirty="0">
-                <a:solidFill>
-                  <a:srgbClr val="732773"/>
-                </a:solidFill>
-                <a:latin typeface="Segoe UI Semibold" panose="020B0702040204020203" pitchFamily="34" charset="0"/>
-                <a:cs typeface="Segoe UI Semibold" panose="020B0702040204020203" pitchFamily="34" charset="0"/>
-              </a:rPr>
-              <a:t> </a:t>
-            </a:r>
-            <a:r>
-              <a:rPr lang="en-US" sz="1800" b="0" kern="1200" dirty="0">
-                <a:solidFill>
-                  <a:srgbClr val="732773"/>
-                </a:solidFill>
-                <a:latin typeface="+mj-lt"/>
-                <a:ea typeface="+mn-ea"/>
-                <a:cs typeface="Segoe UI Semibold" panose="020B0702040204020203" pitchFamily="34" charset="0"/>
-              </a:rPr>
-              <a:t>#GlobalPowerPlatformBootcamp      #GPPB2021</a:t>
-            </a:r>
-            <a:endParaRPr lang="en-US" sz="1800" b="0" dirty="0">
-              <a:solidFill>
-                <a:srgbClr val="732773"/>
-              </a:solidFill>
-              <a:latin typeface="Segoe UI Semibold" panose="020B0702040204020203" pitchFamily="34" charset="0"/>
-              <a:cs typeface="Segoe UI Semibold" panose="020B0702040204020203" pitchFamily="34" charset="0"/>
-            </a:endParaRPr>
-          </a:p>
-        </p:txBody>
-      </p:sp>
-      <p:pic>
-        <p:nvPicPr>
-          <p:cNvPr id="7" name="Picture 6" descr="Icon&#10;&#10;Description generated with very high confidence">
-            <a:extLst>
-              <a:ext uri="{FF2B5EF4-FFF2-40B4-BE49-F238E27FC236}">
-                <a16:creationId xmlns:a16="http://schemas.microsoft.com/office/drawing/2014/main" id="{71C17CC7-90A7-4A5E-88C2-EF2B0F7C6DF5}"/>
-              </a:ext>
-            </a:extLst>
-          </p:cNvPr>
-          <p:cNvPicPr>
-            <a:picLocks noChangeAspect="1"/>
-          </p:cNvPicPr>
-          <p:nvPr userDrawn="1"/>
-        </p:nvPicPr>
-        <p:blipFill>
-          <a:blip r:embed="rId2">
-            <a:extLst>
-              <a:ext uri="{28A0092B-C50C-407E-A947-70E740481C1C}">
-                <a14:useLocalDpi xmlns:a14="http://schemas.microsoft.com/office/drawing/2010/main" val="0"/>
-              </a:ext>
-            </a:extLst>
-          </a:blip>
-          <a:stretch>
-            <a:fillRect/>
-          </a:stretch>
-        </p:blipFill>
-        <p:spPr>
-          <a:xfrm>
-            <a:off x="1028784" y="5771730"/>
-            <a:ext cx="735239" cy="765110"/>
-          </a:xfrm>
-          <a:prstGeom prst="rect">
-            <a:avLst/>
-          </a:prstGeom>
-        </p:spPr>
-      </p:pic>
     </p:spTree>
     <p:extLst>
       <p:ext uri="{BB962C8B-B14F-4D97-AF65-F5344CB8AC3E}">
@@ -5471,7 +4580,7 @@
 </file>
 
 <file path=ppt/slideLayouts/slideLayout18.xml><?xml version="1.0" encoding="utf-8"?>
-<p:sldLayout xmlns:a="http://schemas.openxmlformats.org/drawingml/2006/main" xmlns:r="http://schemas.openxmlformats.org/officeDocument/2006/relationships" xmlns:p="http://schemas.openxmlformats.org/presentationml/2006/main" showMasterSp="0" type="blank" preserve="1">
+<p:sldLayout xmlns:a="http://schemas.openxmlformats.org/drawingml/2006/main" xmlns:r="http://schemas.openxmlformats.org/officeDocument/2006/relationships" xmlns:p="http://schemas.openxmlformats.org/presentationml/2006/main" type="blank" preserve="1">
   <p:cSld name="End Slide">
     <p:bg>
       <p:bgPr>
@@ -5531,141 +4640,6 @@
           </a:prstGeom>
         </p:spPr>
       </p:pic>
-      <p:pic>
-        <p:nvPicPr>
-          <p:cNvPr id="5" name="Picture 4" descr="Icon&#10;&#10;Description generated with very high confidence">
-            <a:extLst>
-              <a:ext uri="{FF2B5EF4-FFF2-40B4-BE49-F238E27FC236}">
-                <a16:creationId xmlns:a16="http://schemas.microsoft.com/office/drawing/2014/main" id="{FD7CE0C9-31B7-42E7-89F7-E8BF2305603D}"/>
-              </a:ext>
-            </a:extLst>
-          </p:cNvPr>
-          <p:cNvPicPr>
-            <a:picLocks noChangeAspect="1"/>
-          </p:cNvPicPr>
-          <p:nvPr userDrawn="1"/>
-        </p:nvPicPr>
-        <p:blipFill>
-          <a:blip r:embed="rId3">
-            <a:extLst>
-              <a:ext uri="{28A0092B-C50C-407E-A947-70E740481C1C}">
-                <a14:useLocalDpi xmlns:a14="http://schemas.microsoft.com/office/drawing/2010/main" val="0"/>
-              </a:ext>
-            </a:extLst>
-          </a:blip>
-          <a:stretch>
-            <a:fillRect/>
-          </a:stretch>
-        </p:blipFill>
-        <p:spPr>
-          <a:xfrm>
-            <a:off x="983166" y="5648610"/>
-            <a:ext cx="735239" cy="765110"/>
-          </a:xfrm>
-          <a:prstGeom prst="rect">
-            <a:avLst/>
-          </a:prstGeom>
-        </p:spPr>
-      </p:pic>
-      <p:sp>
-        <p:nvSpPr>
-          <p:cNvPr id="6" name="TextBox 5">
-            <a:extLst>
-              <a:ext uri="{FF2B5EF4-FFF2-40B4-BE49-F238E27FC236}">
-                <a16:creationId xmlns:a16="http://schemas.microsoft.com/office/drawing/2014/main" id="{20BF9DB3-A645-42A6-A450-679D956D5FB1}"/>
-              </a:ext>
-            </a:extLst>
-          </p:cNvPr>
-          <p:cNvSpPr txBox="1"/>
-          <p:nvPr userDrawn="1"/>
-        </p:nvSpPr>
-        <p:spPr>
-          <a:xfrm>
-            <a:off x="5249008" y="6083898"/>
-            <a:ext cx="6091711" cy="369332"/>
-          </a:xfrm>
-          <a:prstGeom prst="rect">
-            <a:avLst/>
-          </a:prstGeom>
-          <a:noFill/>
-        </p:spPr>
-        <p:txBody>
-          <a:bodyPr wrap="square" rtlCol="0">
-            <a:spAutoFit/>
-          </a:bodyPr>
-          <a:lstStyle/>
-          <a:p>
-            <a:pPr marL="0" marR="0" lvl="0" indent="0" algn="r" defTabSz="914400" rtl="0" eaLnBrk="1" fontAlgn="auto" latinLnBrk="0" hangingPunct="1">
-              <a:lnSpc>
-                <a:spcPct val="100000"/>
-              </a:lnSpc>
-              <a:spcBef>
-                <a:spcPts val="0"/>
-              </a:spcBef>
-              <a:spcAft>
-                <a:spcPts val="0"/>
-              </a:spcAft>
-              <a:buClrTx/>
-              <a:buSzTx/>
-              <a:buFontTx/>
-              <a:buNone/>
-              <a:tabLst/>
-              <a:defRPr/>
-            </a:pPr>
-            <a:r>
-              <a:rPr lang="en-US" sz="1800" b="0" kern="1200" dirty="0">
-                <a:solidFill>
-                  <a:schemeClr val="bg1"/>
-                </a:solidFill>
-                <a:latin typeface="+mn-lt"/>
-                <a:ea typeface="+mn-ea"/>
-                <a:cs typeface="Segoe UI Semibold" panose="020B0702040204020203" pitchFamily="34" charset="0"/>
-              </a:rPr>
-              <a:t>#</a:t>
-            </a:r>
-            <a:r>
-              <a:rPr lang="en-US" sz="1800" b="0" kern="1200" dirty="0">
-                <a:solidFill>
-                  <a:schemeClr val="bg1"/>
-                </a:solidFill>
-                <a:latin typeface="+mj-lt"/>
-                <a:ea typeface="+mn-ea"/>
-                <a:cs typeface="Segoe UI Semibold" panose="020B0702040204020203" pitchFamily="34" charset="0"/>
-              </a:rPr>
-              <a:t>GlobalPowerPlatformBootcamp</a:t>
-            </a:r>
-            <a:r>
-              <a:rPr lang="en-US" sz="1800" b="0" kern="1200" dirty="0">
-                <a:solidFill>
-                  <a:schemeClr val="bg1"/>
-                </a:solidFill>
-                <a:latin typeface="+mn-lt"/>
-                <a:ea typeface="+mn-ea"/>
-                <a:cs typeface="Segoe UI Semibold" panose="020B0702040204020203" pitchFamily="34" charset="0"/>
-              </a:rPr>
-              <a:t>      </a:t>
-            </a:r>
-            <a:r>
-              <a:rPr lang="en-US" sz="1800" b="0" kern="1200" dirty="0">
-                <a:solidFill>
-                  <a:schemeClr val="bg1"/>
-                </a:solidFill>
-                <a:latin typeface="+mj-lt"/>
-                <a:ea typeface="+mn-ea"/>
-                <a:cs typeface="Segoe UI Semibold" panose="020B0702040204020203" pitchFamily="34" charset="0"/>
-              </a:rPr>
-              <a:t>#GPPB2021</a:t>
-            </a:r>
-            <a:endParaRPr lang="en-US" sz="1800" b="0" dirty="0">
-              <a:solidFill>
-                <a:schemeClr val="bg1"/>
-              </a:solidFill>
-              <a:latin typeface="Segoe UI Semibold" panose="020B0702040204020203" pitchFamily="34" charset="0"/>
-              <a:cs typeface="Segoe UI Semibold" panose="020B0702040204020203" pitchFamily="34" charset="0"/>
-            </a:endParaRPr>
-          </a:p>
-        </p:txBody>
-      </p:sp>
     </p:spTree>
     <p:extLst>
       <p:ext uri="{BB962C8B-B14F-4D97-AF65-F5344CB8AC3E}">
@@ -7131,7 +6105,7 @@
         </p:nvSpPr>
         <p:spPr>
           <a:xfrm>
-            <a:off x="6790380" y="6039937"/>
+            <a:off x="6870390" y="6332237"/>
             <a:ext cx="4550339" cy="369332"/>
           </a:xfrm>
           <a:prstGeom prst="rect">
@@ -7221,8 +6195,8 @@
         </p:blipFill>
         <p:spPr>
           <a:xfrm>
-            <a:off x="930779" y="5727614"/>
-            <a:ext cx="955171" cy="993977"/>
+            <a:off x="405121" y="6037892"/>
+            <a:ext cx="713757" cy="742754"/>
           </a:xfrm>
           <a:prstGeom prst="rect">
             <a:avLst/>
@@ -7243,7 +6217,7 @@
 </file>
 
 <file path=ppt/slideLayouts/slideLayout3.xml><?xml version="1.0" encoding="utf-8"?>
-<p:sldLayout xmlns:a="http://schemas.openxmlformats.org/drawingml/2006/main" xmlns:r="http://schemas.openxmlformats.org/officeDocument/2006/relationships" xmlns:p="http://schemas.openxmlformats.org/presentationml/2006/main" showMasterSp="0" type="secHead" preserve="1">
+<p:sldLayout xmlns:a="http://schemas.openxmlformats.org/drawingml/2006/main" xmlns:r="http://schemas.openxmlformats.org/officeDocument/2006/relationships" xmlns:p="http://schemas.openxmlformats.org/presentationml/2006/main" type="secHead" preserve="1">
   <p:cSld name="1_Presentation Title">
     <p:bg>
       <p:bgPr>
@@ -7476,84 +6450,6 @@
           </a:prstGeom>
         </p:spPr>
       </p:pic>
-      <p:sp>
-        <p:nvSpPr>
-          <p:cNvPr id="11" name="TextBox 10">
-            <a:extLst>
-              <a:ext uri="{FF2B5EF4-FFF2-40B4-BE49-F238E27FC236}">
-                <a16:creationId xmlns:a16="http://schemas.microsoft.com/office/drawing/2014/main" id="{17CD1035-CDAE-4B63-92C2-96DC2B6D1EB8}"/>
-              </a:ext>
-            </a:extLst>
-          </p:cNvPr>
-          <p:cNvSpPr txBox="1"/>
-          <p:nvPr userDrawn="1"/>
-        </p:nvSpPr>
-        <p:spPr>
-          <a:xfrm>
-            <a:off x="6390432" y="6064116"/>
-            <a:ext cx="5192577" cy="369332"/>
-          </a:xfrm>
-          <a:prstGeom prst="rect">
-            <a:avLst/>
-          </a:prstGeom>
-          <a:noFill/>
-        </p:spPr>
-        <p:txBody>
-          <a:bodyPr wrap="square" rtlCol="0">
-            <a:spAutoFit/>
-          </a:bodyPr>
-          <a:lstStyle/>
-          <a:p>
-            <a:pPr algn="r"/>
-            <a:r>
-              <a:rPr lang="en-US" sz="1800" b="1" dirty="0">
-                <a:solidFill>
-                  <a:schemeClr val="bg1"/>
-                </a:solidFill>
-                <a:latin typeface="+mj-lt"/>
-                <a:cs typeface="Segoe UI Semibold" panose="020B0702040204020203" pitchFamily="34" charset="0"/>
-              </a:rPr>
-              <a:t>#GlobalPowerPlatformBootcamp  #GPPB2021</a:t>
-            </a:r>
-          </a:p>
-        </p:txBody>
-      </p:sp>
-      <p:pic>
-        <p:nvPicPr>
-          <p:cNvPr id="14" name="Picture 13" descr="Icon&#10;&#10;Description generated with very high confidence">
-            <a:extLst>
-              <a:ext uri="{FF2B5EF4-FFF2-40B4-BE49-F238E27FC236}">
-                <a16:creationId xmlns:a16="http://schemas.microsoft.com/office/drawing/2014/main" id="{C8E15BFB-B1F6-4FD5-AD63-BED375A25523}"/>
-              </a:ext>
-            </a:extLst>
-          </p:cNvPr>
-          <p:cNvPicPr>
-            <a:picLocks noChangeAspect="1"/>
-          </p:cNvPicPr>
-          <p:nvPr userDrawn="1"/>
-        </p:nvPicPr>
-        <p:blipFill>
-          <a:blip r:embed="rId3">
-            <a:extLst>
-              <a:ext uri="{28A0092B-C50C-407E-A947-70E740481C1C}">
-                <a14:useLocalDpi xmlns:a14="http://schemas.microsoft.com/office/drawing/2010/main" val="0"/>
-              </a:ext>
-            </a:extLst>
-          </a:blip>
-          <a:stretch>
-            <a:fillRect/>
-          </a:stretch>
-        </p:blipFill>
-        <p:spPr>
-          <a:xfrm>
-            <a:off x="382043" y="5853928"/>
-            <a:ext cx="758877" cy="789709"/>
-          </a:xfrm>
-          <a:prstGeom prst="rect">
-            <a:avLst/>
-          </a:prstGeom>
-        </p:spPr>
-      </p:pic>
     </p:spTree>
     <p:extLst>
       <p:ext uri="{BB962C8B-B14F-4D97-AF65-F5344CB8AC3E}">
@@ -7568,7 +6464,7 @@
 </file>
 
 <file path=ppt/slideLayouts/slideLayout4.xml><?xml version="1.0" encoding="utf-8"?>
-<p:sldLayout xmlns:a="http://schemas.openxmlformats.org/drawingml/2006/main" xmlns:r="http://schemas.openxmlformats.org/officeDocument/2006/relationships" xmlns:p="http://schemas.openxmlformats.org/presentationml/2006/main" showMasterSp="0" preserve="1" userDrawn="1">
+<p:sldLayout xmlns:a="http://schemas.openxmlformats.org/drawingml/2006/main" xmlns:r="http://schemas.openxmlformats.org/officeDocument/2006/relationships" xmlns:p="http://schemas.openxmlformats.org/presentationml/2006/main" preserve="1" userDrawn="1">
   <p:cSld name="Speaker Intro">
     <p:bg>
       <p:bgPr>
@@ -7816,84 +6712,6 @@
           </a:p>
         </p:txBody>
       </p:sp>
-      <p:sp>
-        <p:nvSpPr>
-          <p:cNvPr id="9" name="TextBox 8">
-            <a:extLst>
-              <a:ext uri="{FF2B5EF4-FFF2-40B4-BE49-F238E27FC236}">
-                <a16:creationId xmlns:a16="http://schemas.microsoft.com/office/drawing/2014/main" id="{4521EF26-C323-467E-A7D2-1322731F0B43}"/>
-              </a:ext>
-            </a:extLst>
-          </p:cNvPr>
-          <p:cNvSpPr txBox="1"/>
-          <p:nvPr userDrawn="1"/>
-        </p:nvSpPr>
-        <p:spPr>
-          <a:xfrm>
-            <a:off x="6483608" y="6122664"/>
-            <a:ext cx="5192577" cy="369332"/>
-          </a:xfrm>
-          <a:prstGeom prst="rect">
-            <a:avLst/>
-          </a:prstGeom>
-          <a:noFill/>
-        </p:spPr>
-        <p:txBody>
-          <a:bodyPr wrap="square" rtlCol="0">
-            <a:spAutoFit/>
-          </a:bodyPr>
-          <a:lstStyle/>
-          <a:p>
-            <a:pPr algn="r"/>
-            <a:r>
-              <a:rPr lang="en-US" sz="1800" b="1" dirty="0">
-                <a:solidFill>
-                  <a:schemeClr val="bg1"/>
-                </a:solidFill>
-                <a:latin typeface="+mj-lt"/>
-                <a:cs typeface="Segoe UI Semibold" panose="020B0702040204020203" pitchFamily="34" charset="0"/>
-              </a:rPr>
-              <a:t>#GlobalPowerPlatformBootcamp  #GPPB2021</a:t>
-            </a:r>
-          </a:p>
-        </p:txBody>
-      </p:sp>
-      <p:pic>
-        <p:nvPicPr>
-          <p:cNvPr id="6" name="Picture 5" descr="Icon&#10;&#10;Description generated with very high confidence">
-            <a:extLst>
-              <a:ext uri="{FF2B5EF4-FFF2-40B4-BE49-F238E27FC236}">
-                <a16:creationId xmlns:a16="http://schemas.microsoft.com/office/drawing/2014/main" id="{BA270189-0960-4D58-AA02-EAD24CF9C624}"/>
-              </a:ext>
-            </a:extLst>
-          </p:cNvPr>
-          <p:cNvPicPr>
-            <a:picLocks noChangeAspect="1"/>
-          </p:cNvPicPr>
-          <p:nvPr userDrawn="1"/>
-        </p:nvPicPr>
-        <p:blipFill>
-          <a:blip r:embed="rId4">
-            <a:extLst>
-              <a:ext uri="{28A0092B-C50C-407E-A947-70E740481C1C}">
-                <a14:useLocalDpi xmlns:a14="http://schemas.microsoft.com/office/drawing/2010/main" val="0"/>
-              </a:ext>
-            </a:extLst>
-          </a:blip>
-          <a:stretch>
-            <a:fillRect/>
-          </a:stretch>
-        </p:blipFill>
-        <p:spPr>
-          <a:xfrm>
-            <a:off x="624549" y="5935450"/>
-            <a:ext cx="714723" cy="743761"/>
-          </a:xfrm>
-          <a:prstGeom prst="rect">
-            <a:avLst/>
-          </a:prstGeom>
-        </p:spPr>
-      </p:pic>
     </p:spTree>
     <p:extLst>
       <p:ext uri="{BB962C8B-B14F-4D97-AF65-F5344CB8AC3E}">
@@ -7908,7 +6726,7 @@
 </file>
 
 <file path=ppt/slideLayouts/slideLayout5.xml><?xml version="1.0" encoding="utf-8"?>
-<p:sldLayout xmlns:a="http://schemas.openxmlformats.org/drawingml/2006/main" xmlns:r="http://schemas.openxmlformats.org/officeDocument/2006/relationships" xmlns:p="http://schemas.openxmlformats.org/presentationml/2006/main" showMasterSp="0" type="blank" preserve="1">
+<p:sldLayout xmlns:a="http://schemas.openxmlformats.org/drawingml/2006/main" xmlns:r="http://schemas.openxmlformats.org/officeDocument/2006/relationships" xmlns:p="http://schemas.openxmlformats.org/presentationml/2006/main" type="blank" preserve="1">
   <p:cSld name="1_End Slide">
     <p:bg>
       <p:bgPr>
@@ -7974,141 +6792,6 @@
           </a:prstGeom>
         </p:spPr>
       </p:pic>
-      <p:pic>
-        <p:nvPicPr>
-          <p:cNvPr id="5" name="Picture 4" descr="Icon&#10;&#10;Description generated with very high confidence">
-            <a:extLst>
-              <a:ext uri="{FF2B5EF4-FFF2-40B4-BE49-F238E27FC236}">
-                <a16:creationId xmlns:a16="http://schemas.microsoft.com/office/drawing/2014/main" id="{FD7CE0C9-31B7-42E7-89F7-E8BF2305603D}"/>
-              </a:ext>
-            </a:extLst>
-          </p:cNvPr>
-          <p:cNvPicPr>
-            <a:picLocks noChangeAspect="1"/>
-          </p:cNvPicPr>
-          <p:nvPr userDrawn="1"/>
-        </p:nvPicPr>
-        <p:blipFill>
-          <a:blip r:embed="rId4">
-            <a:extLst>
-              <a:ext uri="{28A0092B-C50C-407E-A947-70E740481C1C}">
-                <a14:useLocalDpi xmlns:a14="http://schemas.microsoft.com/office/drawing/2010/main" val="0"/>
-              </a:ext>
-            </a:extLst>
-          </a:blip>
-          <a:stretch>
-            <a:fillRect/>
-          </a:stretch>
-        </p:blipFill>
-        <p:spPr>
-          <a:xfrm>
-            <a:off x="983166" y="5648610"/>
-            <a:ext cx="735239" cy="765110"/>
-          </a:xfrm>
-          <a:prstGeom prst="rect">
-            <a:avLst/>
-          </a:prstGeom>
-        </p:spPr>
-      </p:pic>
-      <p:sp>
-        <p:nvSpPr>
-          <p:cNvPr id="6" name="TextBox 5">
-            <a:extLst>
-              <a:ext uri="{FF2B5EF4-FFF2-40B4-BE49-F238E27FC236}">
-                <a16:creationId xmlns:a16="http://schemas.microsoft.com/office/drawing/2014/main" id="{20BF9DB3-A645-42A6-A450-679D956D5FB1}"/>
-              </a:ext>
-            </a:extLst>
-          </p:cNvPr>
-          <p:cNvSpPr txBox="1"/>
-          <p:nvPr userDrawn="1"/>
-        </p:nvSpPr>
-        <p:spPr>
-          <a:xfrm>
-            <a:off x="5249008" y="6083898"/>
-            <a:ext cx="6091711" cy="369332"/>
-          </a:xfrm>
-          <a:prstGeom prst="rect">
-            <a:avLst/>
-          </a:prstGeom>
-          <a:noFill/>
-        </p:spPr>
-        <p:txBody>
-          <a:bodyPr wrap="square" rtlCol="0">
-            <a:spAutoFit/>
-          </a:bodyPr>
-          <a:lstStyle/>
-          <a:p>
-            <a:pPr marL="0" marR="0" lvl="0" indent="0" algn="r" defTabSz="914400" rtl="0" eaLnBrk="1" fontAlgn="auto" latinLnBrk="0" hangingPunct="1">
-              <a:lnSpc>
-                <a:spcPct val="100000"/>
-              </a:lnSpc>
-              <a:spcBef>
-                <a:spcPts val="0"/>
-              </a:spcBef>
-              <a:spcAft>
-                <a:spcPts val="0"/>
-              </a:spcAft>
-              <a:buClrTx/>
-              <a:buSzTx/>
-              <a:buFontTx/>
-              <a:buNone/>
-              <a:tabLst/>
-              <a:defRPr/>
-            </a:pPr>
-            <a:r>
-              <a:rPr lang="en-US" sz="1800" b="0" kern="1200" dirty="0">
-                <a:solidFill>
-                  <a:schemeClr val="bg1"/>
-                </a:solidFill>
-                <a:latin typeface="+mn-lt"/>
-                <a:ea typeface="+mn-ea"/>
-                <a:cs typeface="Segoe UI Semibold" panose="020B0702040204020203" pitchFamily="34" charset="0"/>
-              </a:rPr>
-              <a:t>#</a:t>
-            </a:r>
-            <a:r>
-              <a:rPr lang="en-US" sz="1800" b="0" kern="1200" dirty="0">
-                <a:solidFill>
-                  <a:schemeClr val="bg1"/>
-                </a:solidFill>
-                <a:latin typeface="+mj-lt"/>
-                <a:ea typeface="+mn-ea"/>
-                <a:cs typeface="Segoe UI Semibold" panose="020B0702040204020203" pitchFamily="34" charset="0"/>
-              </a:rPr>
-              <a:t>GlobalPowerPlatformBootcamp</a:t>
-            </a:r>
-            <a:r>
-              <a:rPr lang="en-US" sz="1800" b="0" kern="1200" dirty="0">
-                <a:solidFill>
-                  <a:schemeClr val="bg1"/>
-                </a:solidFill>
-                <a:latin typeface="+mn-lt"/>
-                <a:ea typeface="+mn-ea"/>
-                <a:cs typeface="Segoe UI Semibold" panose="020B0702040204020203" pitchFamily="34" charset="0"/>
-              </a:rPr>
-              <a:t>      </a:t>
-            </a:r>
-            <a:r>
-              <a:rPr lang="en-US" sz="1800" b="0" kern="1200" dirty="0">
-                <a:solidFill>
-                  <a:schemeClr val="bg1"/>
-                </a:solidFill>
-                <a:latin typeface="+mj-lt"/>
-                <a:ea typeface="+mn-ea"/>
-                <a:cs typeface="Segoe UI Semibold" panose="020B0702040204020203" pitchFamily="34" charset="0"/>
-              </a:rPr>
-              <a:t>#GPPB2021</a:t>
-            </a:r>
-            <a:endParaRPr lang="en-US" sz="1800" b="0" dirty="0">
-              <a:solidFill>
-                <a:schemeClr val="bg1"/>
-              </a:solidFill>
-              <a:latin typeface="Segoe UI Semibold" panose="020B0702040204020203" pitchFamily="34" charset="0"/>
-              <a:cs typeface="Segoe UI Semibold" panose="020B0702040204020203" pitchFamily="34" charset="0"/>
-            </a:endParaRPr>
-          </a:p>
-        </p:txBody>
-      </p:sp>
     </p:spTree>
     <p:extLst>
       <p:ext uri="{BB962C8B-B14F-4D97-AF65-F5344CB8AC3E}">
@@ -8707,7 +7390,7 @@
 </file>
 
 <file path=ppt/slideLayouts/slideLayout9.xml><?xml version="1.0" encoding="utf-8"?>
-<p:sldLayout xmlns:a="http://schemas.openxmlformats.org/drawingml/2006/main" xmlns:r="http://schemas.openxmlformats.org/officeDocument/2006/relationships" xmlns:p="http://schemas.openxmlformats.org/presentationml/2006/main" showMasterSp="0" preserve="1" userDrawn="1">
+<p:sldLayout xmlns:a="http://schemas.openxmlformats.org/drawingml/2006/main" xmlns:r="http://schemas.openxmlformats.org/officeDocument/2006/relationships" xmlns:p="http://schemas.openxmlformats.org/presentationml/2006/main" preserve="1" userDrawn="1">
   <p:cSld name="Demo Slide Grey">
     <p:bg>
       <p:bgPr>
@@ -8731,105 +7414,6 @@
           <a:chExt cx="0" cy="0"/>
         </a:xfrm>
       </p:grpSpPr>
-      <p:sp>
-        <p:nvSpPr>
-          <p:cNvPr id="10" name="TextBox 9">
-            <a:extLst>
-              <a:ext uri="{FF2B5EF4-FFF2-40B4-BE49-F238E27FC236}">
-                <a16:creationId xmlns:a16="http://schemas.microsoft.com/office/drawing/2014/main" id="{C24C5121-7410-4246-ADA3-6B8E3DB79483}"/>
-              </a:ext>
-            </a:extLst>
-          </p:cNvPr>
-          <p:cNvSpPr txBox="1"/>
-          <p:nvPr userDrawn="1"/>
-        </p:nvSpPr>
-        <p:spPr>
-          <a:xfrm>
-            <a:off x="5117123" y="6110275"/>
-            <a:ext cx="6091711" cy="369332"/>
-          </a:xfrm>
-          <a:prstGeom prst="rect">
-            <a:avLst/>
-          </a:prstGeom>
-          <a:noFill/>
-        </p:spPr>
-        <p:txBody>
-          <a:bodyPr wrap="square" rtlCol="0">
-            <a:spAutoFit/>
-          </a:bodyPr>
-          <a:lstStyle/>
-          <a:p>
-            <a:pPr marL="0" marR="0" lvl="0" indent="0" algn="r" defTabSz="914400" rtl="0" eaLnBrk="1" fontAlgn="auto" latinLnBrk="0" hangingPunct="1">
-              <a:lnSpc>
-                <a:spcPct val="100000"/>
-              </a:lnSpc>
-              <a:spcBef>
-                <a:spcPts val="0"/>
-              </a:spcBef>
-              <a:spcAft>
-                <a:spcPts val="0"/>
-              </a:spcAft>
-              <a:buClrTx/>
-              <a:buSzTx/>
-              <a:buFontTx/>
-              <a:buNone/>
-              <a:tabLst/>
-              <a:defRPr/>
-            </a:pPr>
-            <a:r>
-              <a:rPr lang="en-US" sz="1800" b="0" kern="1200" dirty="0">
-                <a:solidFill>
-                  <a:schemeClr val="bg1"/>
-                </a:solidFill>
-                <a:latin typeface="+mn-lt"/>
-                <a:ea typeface="+mn-ea"/>
-                <a:cs typeface="Segoe UI Semibold" panose="020B0702040204020203" pitchFamily="34" charset="0"/>
-              </a:rPr>
-              <a:t>#</a:t>
-            </a:r>
-            <a:r>
-              <a:rPr lang="en-US" sz="1800" b="0" kern="1200" dirty="0">
-                <a:solidFill>
-                  <a:schemeClr val="bg1"/>
-                </a:solidFill>
-                <a:latin typeface="+mj-lt"/>
-                <a:ea typeface="+mn-ea"/>
-                <a:cs typeface="Segoe UI Semibold" panose="020B0702040204020203" pitchFamily="34" charset="0"/>
-              </a:rPr>
-              <a:t>GlobalPowerPlatformBootcamp</a:t>
-            </a:r>
-            <a:r>
-              <a:rPr lang="en-US" sz="1800" b="0" kern="1200" dirty="0">
-                <a:solidFill>
-                  <a:schemeClr val="bg1"/>
-                </a:solidFill>
-                <a:latin typeface="+mn-lt"/>
-                <a:ea typeface="+mn-ea"/>
-                <a:cs typeface="Segoe UI Semibold" panose="020B0702040204020203" pitchFamily="34" charset="0"/>
-              </a:rPr>
-              <a:t>      </a:t>
-            </a:r>
-            <a:r>
-              <a:rPr lang="en-US" sz="1800" b="0" kern="1200" dirty="0">
-                <a:solidFill>
-                  <a:schemeClr val="bg1"/>
-                </a:solidFill>
-                <a:latin typeface="+mj-lt"/>
-                <a:ea typeface="+mn-ea"/>
-                <a:cs typeface="Segoe UI Semibold" panose="020B0702040204020203" pitchFamily="34" charset="0"/>
-              </a:rPr>
-              <a:t>#GPPB2021</a:t>
-            </a:r>
-            <a:endParaRPr lang="en-US" sz="1800" b="0" dirty="0">
-              <a:solidFill>
-                <a:schemeClr val="bg1"/>
-              </a:solidFill>
-              <a:latin typeface="Segoe UI Semibold" panose="020B0702040204020203" pitchFamily="34" charset="0"/>
-              <a:cs typeface="Segoe UI Semibold" panose="020B0702040204020203" pitchFamily="34" charset="0"/>
-            </a:endParaRPr>
-          </a:p>
-        </p:txBody>
-      </p:sp>
       <p:sp>
         <p:nvSpPr>
           <p:cNvPr id="11" name="Title 1">
@@ -8873,42 +7457,6 @@
           </a:p>
         </p:txBody>
       </p:sp>
-      <p:pic>
-        <p:nvPicPr>
-          <p:cNvPr id="5" name="Picture 4" descr="Icon&#10;&#10;Description generated with very high confidence">
-            <a:extLst>
-              <a:ext uri="{FF2B5EF4-FFF2-40B4-BE49-F238E27FC236}">
-                <a16:creationId xmlns:a16="http://schemas.microsoft.com/office/drawing/2014/main" id="{B3A722A7-3E3D-457B-82DE-8D418977542E}"/>
-              </a:ext>
-            </a:extLst>
-          </p:cNvPr>
-          <p:cNvPicPr>
-            <a:picLocks noChangeAspect="1"/>
-          </p:cNvPicPr>
-          <p:nvPr userDrawn="1"/>
-        </p:nvPicPr>
-        <p:blipFill>
-          <a:blip r:embed="rId2">
-            <a:extLst>
-              <a:ext uri="{28A0092B-C50C-407E-A947-70E740481C1C}">
-                <a14:useLocalDpi xmlns:a14="http://schemas.microsoft.com/office/drawing/2010/main" val="0"/>
-              </a:ext>
-            </a:extLst>
-          </a:blip>
-          <a:stretch>
-            <a:fillRect/>
-          </a:stretch>
-        </p:blipFill>
-        <p:spPr>
-          <a:xfrm>
-            <a:off x="615546" y="5912386"/>
-            <a:ext cx="735239" cy="765110"/>
-          </a:xfrm>
-          <a:prstGeom prst="rect">
-            <a:avLst/>
-          </a:prstGeom>
-        </p:spPr>
-      </p:pic>
     </p:spTree>
     <p:extLst>
       <p:ext uri="{BB962C8B-B14F-4D97-AF65-F5344CB8AC3E}">
@@ -8967,9 +7515,7 @@
           <a:prstGeom prst="rect">
             <a:avLst/>
           </a:prstGeom>
-          <a:solidFill>
-            <a:srgbClr val="732773"/>
-          </a:solidFill>
+          <a:noFill/>
           <a:ln>
             <a:noFill/>
           </a:ln>
@@ -15712,6 +14258,15 @@
 </file>
 
 <file path=customXml/item2.xml><?xml version="1.0" encoding="utf-8"?>
+<?mso-contentType ?>
+<FormTemplates xmlns="http://schemas.microsoft.com/sharepoint/v3/contenttype/forms">
+  <Display>DocumentLibraryForm</Display>
+  <Edit>DocumentLibraryForm</Edit>
+  <New>DocumentLibraryForm</New>
+</FormTemplates>
+</file>
+
+<file path=customXml/item3.xml><?xml version="1.0" encoding="utf-8"?>
 <ct:contentTypeSchema xmlns:ct="http://schemas.microsoft.com/office/2006/metadata/contentType" xmlns:ma="http://schemas.microsoft.com/office/2006/metadata/properties/metaAttributes" ct:_="" ma:_="" ma:contentTypeName="Document" ma:contentTypeID="0x010100F6BDD08CCF370849A2D407B3E3FB0E50" ma:contentTypeVersion="6" ma:contentTypeDescription="Create a new document." ma:contentTypeScope="" ma:versionID="67b8d404d50ab64c6da975ce4eaec4ee">
   <xsd:schema xmlns:xsd="http://www.w3.org/2001/XMLSchema" xmlns:xs="http://www.w3.org/2001/XMLSchema" xmlns:p="http://schemas.microsoft.com/office/2006/metadata/properties" xmlns:ns2="774ed329-f2c8-4afb-9f87-f277f9430717" targetNamespace="http://schemas.microsoft.com/office/2006/metadata/properties" ma:root="true" ma:fieldsID="2ee7a84ba5c28d271e27e06945b3db8f" ns2:_="">
     <xsd:import namespace="774ed329-f2c8-4afb-9f87-f277f9430717"/>
@@ -15869,15 +14424,6 @@
 </ct:contentTypeSchema>
 </file>
 
-<file path=customXml/item3.xml><?xml version="1.0" encoding="utf-8"?>
-<?mso-contentType ?>
-<FormTemplates xmlns="http://schemas.microsoft.com/sharepoint/v3/contenttype/forms">
-  <Display>DocumentLibraryForm</Display>
-  <Edit>DocumentLibraryForm</Edit>
-  <New>DocumentLibraryForm</New>
-</FormTemplates>
-</file>
-
 <file path=customXml/itemProps1.xml><?xml version="1.0" encoding="utf-8"?>
 <ds:datastoreItem xmlns:ds="http://schemas.openxmlformats.org/officeDocument/2006/customXml" ds:itemID="{C4BD89D9-7255-4D5A-82E5-E966CAEE4330}">
   <ds:schemaRefs>
@@ -15895,6 +14441,14 @@
 </file>
 
 <file path=customXml/itemProps2.xml><?xml version="1.0" encoding="utf-8"?>
+<ds:datastoreItem xmlns:ds="http://schemas.openxmlformats.org/officeDocument/2006/customXml" ds:itemID="{F011BBF7-1CE1-4050-9514-DB9AE0D56D7F}">
+  <ds:schemaRefs>
+    <ds:schemaRef ds:uri="http://schemas.microsoft.com/sharepoint/v3/contenttype/forms"/>
+  </ds:schemaRefs>
+</ds:datastoreItem>
+</file>
+
+<file path=customXml/itemProps3.xml><?xml version="1.0" encoding="utf-8"?>
 <ds:datastoreItem xmlns:ds="http://schemas.openxmlformats.org/officeDocument/2006/customXml" ds:itemID="{216745AD-74D2-4BFB-8E5C-F0AF25631153}">
   <ds:schemaRefs>
     <ds:schemaRef ds:uri="http://schemas.microsoft.com/office/2006/metadata/contentType"/>
@@ -15910,12 +14464,4 @@
     <ds:schemaRef ds:uri="http://schemas.microsoft.com/internal/obd"/>
   </ds:schemaRefs>
 </ds:datastoreItem>
-</file>
-
-<file path=customXml/itemProps3.xml><?xml version="1.0" encoding="utf-8"?>
-<ds:datastoreItem xmlns:ds="http://schemas.openxmlformats.org/officeDocument/2006/customXml" ds:itemID="{F011BBF7-1CE1-4050-9514-DB9AE0D56D7F}">
-  <ds:schemaRefs>
-    <ds:schemaRef ds:uri="http://schemas.microsoft.com/sharepoint/v3/contenttype/forms"/>
-  </ds:schemaRefs>
-</ds:datastoreItem>
 </file>
--- a/Event Materials/Speaker/GPPB2021 Speaker Template.pptx
+++ b/Event Materials/Speaker/GPPB2021 Speaker Template.pptx
@@ -2665,7 +2665,7 @@
           <a:p>
             <a:fld id="{E48EF238-771A-4086-BC2A-86F3ACCCAA59}" type="datetimeFigureOut">
               <a:rPr lang="en-US" smtClean="0"/>
-              <a:t>2/5/2021</a:t>
+              <a:t>2/16/2021</a:t>
             </a:fld>
             <a:endParaRPr lang="en-US"/>
           </a:p>
@@ -6806,6 +6806,222 @@
 </file>
 
 <file path=ppt/slideLayouts/slideLayout6.xml><?xml version="1.0" encoding="utf-8"?>
+<p:sldLayout xmlns:a="http://schemas.openxmlformats.org/drawingml/2006/main" xmlns:r="http://schemas.openxmlformats.org/officeDocument/2006/relationships" xmlns:p="http://schemas.openxmlformats.org/presentationml/2006/main" preserve="1" userDrawn="1">
+  <p:cSld name="2_End Slide">
+    <p:bg>
+      <p:bgPr>
+        <a:blipFill dpi="0" rotWithShape="1">
+          <a:blip r:embed="rId2">
+            <a:lum/>
+          </a:blip>
+          <a:srcRect/>
+          <a:stretch>
+            <a:fillRect l="-1000" r="-1000"/>
+          </a:stretch>
+        </a:blipFill>
+        <a:effectLst/>
+      </p:bgPr>
+    </p:bg>
+    <p:spTree>
+      <p:nvGrpSpPr>
+        <p:cNvPr id="1" name=""/>
+        <p:cNvGrpSpPr/>
+        <p:nvPr/>
+      </p:nvGrpSpPr>
+      <p:grpSpPr>
+        <a:xfrm>
+          <a:off x="0" y="0"/>
+          <a:ext cx="0" cy="0"/>
+          <a:chOff x="0" y="0"/>
+          <a:chExt cx="0" cy="0"/>
+        </a:xfrm>
+      </p:grpSpPr>
+      <p:pic>
+        <p:nvPicPr>
+          <p:cNvPr id="10" name="Picture 9" descr="A picture containing object&#10;&#10;Description generated with very high confidence" hidden="1">
+            <a:extLst>
+              <a:ext uri="{FF2B5EF4-FFF2-40B4-BE49-F238E27FC236}">
+                <a16:creationId xmlns:a16="http://schemas.microsoft.com/office/drawing/2014/main" id="{C47C373B-006A-4A1D-9787-B7B16330A14D}"/>
+              </a:ext>
+            </a:extLst>
+          </p:cNvPr>
+          <p:cNvPicPr>
+            <a:picLocks noChangeAspect="1"/>
+          </p:cNvPicPr>
+          <p:nvPr userDrawn="1"/>
+        </p:nvPicPr>
+        <p:blipFill>
+          <a:blip r:embed="rId3">
+            <a:extLst>
+              <a:ext uri="{28A0092B-C50C-407E-A947-70E740481C1C}">
+                <a14:useLocalDpi xmlns:a14="http://schemas.microsoft.com/office/drawing/2010/main" val="0"/>
+              </a:ext>
+            </a:extLst>
+          </a:blip>
+          <a:stretch>
+            <a:fillRect/>
+          </a:stretch>
+        </p:blipFill>
+        <p:spPr>
+          <a:xfrm>
+            <a:off x="828782" y="1774208"/>
+            <a:ext cx="10534436" cy="2111943"/>
+          </a:xfrm>
+          <a:prstGeom prst="rect">
+            <a:avLst/>
+          </a:prstGeom>
+        </p:spPr>
+      </p:pic>
+      <p:sp>
+        <p:nvSpPr>
+          <p:cNvPr id="2" name="Title 1">
+            <a:extLst>
+              <a:ext uri="{FF2B5EF4-FFF2-40B4-BE49-F238E27FC236}">
+                <a16:creationId xmlns:a16="http://schemas.microsoft.com/office/drawing/2014/main" id="{6E34E409-F9B0-49E9-813E-FDDDBA6960F6}"/>
+              </a:ext>
+            </a:extLst>
+          </p:cNvPr>
+          <p:cNvSpPr>
+            <a:spLocks noGrp="1"/>
+          </p:cNvSpPr>
+          <p:nvPr>
+            <p:ph type="title"/>
+          </p:nvPr>
+        </p:nvSpPr>
+        <p:spPr/>
+        <p:txBody>
+          <a:bodyPr/>
+          <a:lstStyle>
+            <a:lvl1pPr>
+              <a:defRPr>
+                <a:solidFill>
+                  <a:schemeClr val="bg1"/>
+                </a:solidFill>
+              </a:defRPr>
+            </a:lvl1pPr>
+          </a:lstStyle>
+          <a:p>
+            <a:r>
+              <a:rPr lang="en-US" dirty="0"/>
+              <a:t>Click to edit Master title style</a:t>
+            </a:r>
+            <a:endParaRPr lang="en-CA" dirty="0"/>
+          </a:p>
+        </p:txBody>
+      </p:sp>
+      <p:sp>
+        <p:nvSpPr>
+          <p:cNvPr id="4" name="Content Placeholder 3">
+            <a:extLst>
+              <a:ext uri="{FF2B5EF4-FFF2-40B4-BE49-F238E27FC236}">
+                <a16:creationId xmlns:a16="http://schemas.microsoft.com/office/drawing/2014/main" id="{B151D63C-DCEB-4E61-8744-18831BE37689}"/>
+              </a:ext>
+            </a:extLst>
+          </p:cNvPr>
+          <p:cNvSpPr>
+            <a:spLocks noGrp="1"/>
+          </p:cNvSpPr>
+          <p:nvPr>
+            <p:ph sz="quarter" idx="10"/>
+          </p:nvPr>
+        </p:nvSpPr>
+        <p:spPr>
+          <a:xfrm>
+            <a:off x="838200" y="1903413"/>
+            <a:ext cx="10515600" cy="3657600"/>
+          </a:xfrm>
+        </p:spPr>
+        <p:txBody>
+          <a:bodyPr/>
+          <a:lstStyle>
+            <a:lvl1pPr>
+              <a:defRPr>
+                <a:solidFill>
+                  <a:schemeClr val="bg1"/>
+                </a:solidFill>
+              </a:defRPr>
+            </a:lvl1pPr>
+            <a:lvl2pPr>
+              <a:defRPr>
+                <a:solidFill>
+                  <a:schemeClr val="bg1"/>
+                </a:solidFill>
+              </a:defRPr>
+            </a:lvl2pPr>
+            <a:lvl3pPr>
+              <a:defRPr>
+                <a:solidFill>
+                  <a:schemeClr val="bg1"/>
+                </a:solidFill>
+              </a:defRPr>
+            </a:lvl3pPr>
+            <a:lvl4pPr>
+              <a:defRPr>
+                <a:solidFill>
+                  <a:schemeClr val="bg1"/>
+                </a:solidFill>
+              </a:defRPr>
+            </a:lvl4pPr>
+            <a:lvl5pPr>
+              <a:defRPr>
+                <a:solidFill>
+                  <a:schemeClr val="bg1"/>
+                </a:solidFill>
+              </a:defRPr>
+            </a:lvl5pPr>
+          </a:lstStyle>
+          <a:p>
+            <a:pPr lvl="0"/>
+            <a:r>
+              <a:rPr lang="en-US" dirty="0"/>
+              <a:t>Edit Master text styles</a:t>
+            </a:r>
+          </a:p>
+          <a:p>
+            <a:pPr lvl="1"/>
+            <a:r>
+              <a:rPr lang="en-US" dirty="0"/>
+              <a:t>Second level</a:t>
+            </a:r>
+          </a:p>
+          <a:p>
+            <a:pPr lvl="2"/>
+            <a:r>
+              <a:rPr lang="en-US" dirty="0"/>
+              <a:t>Third level</a:t>
+            </a:r>
+          </a:p>
+          <a:p>
+            <a:pPr lvl="3"/>
+            <a:r>
+              <a:rPr lang="en-US" dirty="0"/>
+              <a:t>Fourth level</a:t>
+            </a:r>
+          </a:p>
+          <a:p>
+            <a:pPr lvl="4"/>
+            <a:r>
+              <a:rPr lang="en-US" dirty="0"/>
+              <a:t>Fifth level</a:t>
+            </a:r>
+            <a:endParaRPr lang="en-CA" dirty="0"/>
+          </a:p>
+        </p:txBody>
+      </p:sp>
+    </p:spTree>
+    <p:extLst>
+      <p:ext uri="{BB962C8B-B14F-4D97-AF65-F5344CB8AC3E}">
+        <p14:creationId xmlns:p14="http://schemas.microsoft.com/office/powerpoint/2010/main" val="4224977934"/>
+      </p:ext>
+    </p:extLst>
+  </p:cSld>
+  <p:clrMapOvr>
+    <a:overrideClrMapping bg1="lt1" tx1="dk1" bg2="lt2" tx2="dk2" accent1="accent1" accent2="accent2" accent3="accent3" accent4="accent4" accent5="accent5" accent6="accent6" hlink="hlink" folHlink="folHlink"/>
+  </p:clrMapOvr>
+</p:sldLayout>
+</file>
+
+<file path=ppt/slideLayouts/slideLayout7.xml><?xml version="1.0" encoding="utf-8"?>
 <p:sldLayout xmlns:a="http://schemas.openxmlformats.org/drawingml/2006/main" xmlns:r="http://schemas.openxmlformats.org/officeDocument/2006/relationships" xmlns:p="http://schemas.openxmlformats.org/presentationml/2006/main" type="twoObj" preserve="1">
   <p:cSld name="Two Content">
     <p:bg>
@@ -6983,340 +7199,6 @@
     <p:extLst>
       <p:ext uri="{BB962C8B-B14F-4D97-AF65-F5344CB8AC3E}">
         <p14:creationId xmlns:p14="http://schemas.microsoft.com/office/powerpoint/2010/main" val="170030985"/>
-      </p:ext>
-    </p:extLst>
-  </p:cSld>
-  <p:clrMapOvr>
-    <a:overrideClrMapping bg1="lt1" tx1="dk1" bg2="lt2" tx2="dk2" accent1="accent1" accent2="accent2" accent3="accent3" accent4="accent4" accent5="accent5" accent6="accent6" hlink="hlink" folHlink="folHlink"/>
-  </p:clrMapOvr>
-</p:sldLayout>
-</file>
-
-<file path=ppt/slideLayouts/slideLayout7.xml><?xml version="1.0" encoding="utf-8"?>
-<p:sldLayout xmlns:a="http://schemas.openxmlformats.org/drawingml/2006/main" xmlns:r="http://schemas.openxmlformats.org/officeDocument/2006/relationships" xmlns:p="http://schemas.openxmlformats.org/presentationml/2006/main" type="twoTxTwoObj" preserve="1">
-  <p:cSld name="Comparison">
-    <p:bg>
-      <p:bgRef idx="1003">
-        <a:schemeClr val="bg2"/>
-      </p:bgRef>
-    </p:bg>
-    <p:spTree>
-      <p:nvGrpSpPr>
-        <p:cNvPr id="1" name=""/>
-        <p:cNvGrpSpPr/>
-        <p:nvPr/>
-      </p:nvGrpSpPr>
-      <p:grpSpPr>
-        <a:xfrm>
-          <a:off x="0" y="0"/>
-          <a:ext cx="0" cy="0"/>
-          <a:chOff x="0" y="0"/>
-          <a:chExt cx="0" cy="0"/>
-        </a:xfrm>
-      </p:grpSpPr>
-      <p:sp>
-        <p:nvSpPr>
-          <p:cNvPr id="2" name="Title 1">
-            <a:extLst>
-              <a:ext uri="{FF2B5EF4-FFF2-40B4-BE49-F238E27FC236}">
-                <a16:creationId xmlns:a16="http://schemas.microsoft.com/office/drawing/2014/main" id="{D72ED121-9015-447A-BD23-A26434E9E81B}"/>
-              </a:ext>
-            </a:extLst>
-          </p:cNvPr>
-          <p:cNvSpPr>
-            <a:spLocks noGrp="1"/>
-          </p:cNvSpPr>
-          <p:nvPr>
-            <p:ph type="title"/>
-          </p:nvPr>
-        </p:nvSpPr>
-        <p:spPr>
-          <a:xfrm>
-            <a:off x="839788" y="365125"/>
-            <a:ext cx="10515600" cy="1030043"/>
-          </a:xfrm>
-        </p:spPr>
-        <p:txBody>
-          <a:bodyPr/>
-          <a:lstStyle/>
-          <a:p>
-            <a:r>
-              <a:rPr lang="en-US"/>
-              <a:t>Click to edit Master title style</a:t>
-            </a:r>
-          </a:p>
-        </p:txBody>
-      </p:sp>
-      <p:sp>
-        <p:nvSpPr>
-          <p:cNvPr id="3" name="Text Placeholder 2">
-            <a:extLst>
-              <a:ext uri="{FF2B5EF4-FFF2-40B4-BE49-F238E27FC236}">
-                <a16:creationId xmlns:a16="http://schemas.microsoft.com/office/drawing/2014/main" id="{2E28B377-9DF4-4D81-B90C-EDC75C5399A7}"/>
-              </a:ext>
-            </a:extLst>
-          </p:cNvPr>
-          <p:cNvSpPr>
-            <a:spLocks noGrp="1"/>
-          </p:cNvSpPr>
-          <p:nvPr>
-            <p:ph type="body" idx="1"/>
-          </p:nvPr>
-        </p:nvSpPr>
-        <p:spPr>
-          <a:xfrm>
-            <a:off x="838200" y="1456540"/>
-            <a:ext cx="5157787" cy="823912"/>
-          </a:xfrm>
-        </p:spPr>
-        <p:txBody>
-          <a:bodyPr anchor="b"/>
-          <a:lstStyle>
-            <a:lvl1pPr marL="0" indent="0">
-              <a:buNone/>
-              <a:defRPr sz="2400" b="1"/>
-            </a:lvl1pPr>
-            <a:lvl2pPr marL="457200" indent="0">
-              <a:buNone/>
-              <a:defRPr sz="2000" b="1"/>
-            </a:lvl2pPr>
-            <a:lvl3pPr marL="914400" indent="0">
-              <a:buNone/>
-              <a:defRPr sz="1800" b="1"/>
-            </a:lvl3pPr>
-            <a:lvl4pPr marL="1371600" indent="0">
-              <a:buNone/>
-              <a:defRPr sz="1600" b="1"/>
-            </a:lvl4pPr>
-            <a:lvl5pPr marL="1828800" indent="0">
-              <a:buNone/>
-              <a:defRPr sz="1600" b="1"/>
-            </a:lvl5pPr>
-            <a:lvl6pPr marL="2286000" indent="0">
-              <a:buNone/>
-              <a:defRPr sz="1600" b="1"/>
-            </a:lvl6pPr>
-            <a:lvl7pPr marL="2743200" indent="0">
-              <a:buNone/>
-              <a:defRPr sz="1600" b="1"/>
-            </a:lvl7pPr>
-            <a:lvl8pPr marL="3200400" indent="0">
-              <a:buNone/>
-              <a:defRPr sz="1600" b="1"/>
-            </a:lvl8pPr>
-            <a:lvl9pPr marL="3657600" indent="0">
-              <a:buNone/>
-              <a:defRPr sz="1600" b="1"/>
-            </a:lvl9pPr>
-          </a:lstStyle>
-          <a:p>
-            <a:pPr lvl="0"/>
-            <a:r>
-              <a:rPr lang="en-US" dirty="0"/>
-              <a:t>Edit Master text styles</a:t>
-            </a:r>
-          </a:p>
-        </p:txBody>
-      </p:sp>
-      <p:sp>
-        <p:nvSpPr>
-          <p:cNvPr id="4" name="Content Placeholder 3">
-            <a:extLst>
-              <a:ext uri="{FF2B5EF4-FFF2-40B4-BE49-F238E27FC236}">
-                <a16:creationId xmlns:a16="http://schemas.microsoft.com/office/drawing/2014/main" id="{A27423A1-1CC8-47F2-A923-8D6C8C1373BD}"/>
-              </a:ext>
-            </a:extLst>
-          </p:cNvPr>
-          <p:cNvSpPr>
-            <a:spLocks noGrp="1"/>
-          </p:cNvSpPr>
-          <p:nvPr>
-            <p:ph sz="half" idx="2"/>
-          </p:nvPr>
-        </p:nvSpPr>
-        <p:spPr>
-          <a:xfrm>
-            <a:off x="788018" y="2280452"/>
-            <a:ext cx="5232033" cy="3566895"/>
-          </a:xfrm>
-        </p:spPr>
-        <p:txBody>
-          <a:bodyPr/>
-          <a:lstStyle/>
-          <a:p>
-            <a:pPr lvl="0"/>
-            <a:r>
-              <a:rPr lang="en-US"/>
-              <a:t>Edit Master text styles</a:t>
-            </a:r>
-          </a:p>
-          <a:p>
-            <a:pPr lvl="1"/>
-            <a:r>
-              <a:rPr lang="en-US"/>
-              <a:t>Second level</a:t>
-            </a:r>
-          </a:p>
-          <a:p>
-            <a:pPr lvl="2"/>
-            <a:r>
-              <a:rPr lang="en-US"/>
-              <a:t>Third level</a:t>
-            </a:r>
-          </a:p>
-          <a:p>
-            <a:pPr lvl="3"/>
-            <a:r>
-              <a:rPr lang="en-US"/>
-              <a:t>Fourth level</a:t>
-            </a:r>
-          </a:p>
-          <a:p>
-            <a:pPr lvl="4"/>
-            <a:r>
-              <a:rPr lang="en-US"/>
-              <a:t>Fifth level</a:t>
-            </a:r>
-          </a:p>
-        </p:txBody>
-      </p:sp>
-      <p:sp>
-        <p:nvSpPr>
-          <p:cNvPr id="5" name="Text Placeholder 4">
-            <a:extLst>
-              <a:ext uri="{FF2B5EF4-FFF2-40B4-BE49-F238E27FC236}">
-                <a16:creationId xmlns:a16="http://schemas.microsoft.com/office/drawing/2014/main" id="{582B12BD-B677-4067-B39E-D346B7D0629C}"/>
-              </a:ext>
-            </a:extLst>
-          </p:cNvPr>
-          <p:cNvSpPr>
-            <a:spLocks noGrp="1"/>
-          </p:cNvSpPr>
-          <p:nvPr>
-            <p:ph type="body" sz="quarter" idx="3"/>
-          </p:nvPr>
-        </p:nvSpPr>
-        <p:spPr>
-          <a:xfrm>
-            <a:off x="6170612" y="1456540"/>
-            <a:ext cx="5183188" cy="823912"/>
-          </a:xfrm>
-        </p:spPr>
-        <p:txBody>
-          <a:bodyPr anchor="b"/>
-          <a:lstStyle>
-            <a:lvl1pPr marL="0" indent="0">
-              <a:buNone/>
-              <a:defRPr sz="2400" b="1"/>
-            </a:lvl1pPr>
-            <a:lvl2pPr marL="457200" indent="0">
-              <a:buNone/>
-              <a:defRPr sz="2000" b="1"/>
-            </a:lvl2pPr>
-            <a:lvl3pPr marL="914400" indent="0">
-              <a:buNone/>
-              <a:defRPr sz="1800" b="1"/>
-            </a:lvl3pPr>
-            <a:lvl4pPr marL="1371600" indent="0">
-              <a:buNone/>
-              <a:defRPr sz="1600" b="1"/>
-            </a:lvl4pPr>
-            <a:lvl5pPr marL="1828800" indent="0">
-              <a:buNone/>
-              <a:defRPr sz="1600" b="1"/>
-            </a:lvl5pPr>
-            <a:lvl6pPr marL="2286000" indent="0">
-              <a:buNone/>
-              <a:defRPr sz="1600" b="1"/>
-            </a:lvl6pPr>
-            <a:lvl7pPr marL="2743200" indent="0">
-              <a:buNone/>
-              <a:defRPr sz="1600" b="1"/>
-            </a:lvl7pPr>
-            <a:lvl8pPr marL="3200400" indent="0">
-              <a:buNone/>
-              <a:defRPr sz="1600" b="1"/>
-            </a:lvl8pPr>
-            <a:lvl9pPr marL="3657600" indent="0">
-              <a:buNone/>
-              <a:defRPr sz="1600" b="1"/>
-            </a:lvl9pPr>
-          </a:lstStyle>
-          <a:p>
-            <a:pPr lvl="0"/>
-            <a:r>
-              <a:rPr lang="en-US"/>
-              <a:t>Edit Master text styles</a:t>
-            </a:r>
-          </a:p>
-        </p:txBody>
-      </p:sp>
-      <p:sp>
-        <p:nvSpPr>
-          <p:cNvPr id="6" name="Content Placeholder 5">
-            <a:extLst>
-              <a:ext uri="{FF2B5EF4-FFF2-40B4-BE49-F238E27FC236}">
-                <a16:creationId xmlns:a16="http://schemas.microsoft.com/office/drawing/2014/main" id="{D769166E-FFC9-4082-A169-13F572B39BA5}"/>
-              </a:ext>
-            </a:extLst>
-          </p:cNvPr>
-          <p:cNvSpPr>
-            <a:spLocks noGrp="1"/>
-          </p:cNvSpPr>
-          <p:nvPr>
-            <p:ph sz="quarter" idx="4"/>
-          </p:nvPr>
-        </p:nvSpPr>
-        <p:spPr>
-          <a:xfrm>
-            <a:off x="6120064" y="2280452"/>
-            <a:ext cx="5257800" cy="3566895"/>
-          </a:xfrm>
-        </p:spPr>
-        <p:txBody>
-          <a:bodyPr/>
-          <a:lstStyle/>
-          <a:p>
-            <a:pPr lvl="0"/>
-            <a:r>
-              <a:rPr lang="en-US"/>
-              <a:t>Edit Master text styles</a:t>
-            </a:r>
-          </a:p>
-          <a:p>
-            <a:pPr lvl="1"/>
-            <a:r>
-              <a:rPr lang="en-US"/>
-              <a:t>Second level</a:t>
-            </a:r>
-          </a:p>
-          <a:p>
-            <a:pPr lvl="2"/>
-            <a:r>
-              <a:rPr lang="en-US"/>
-              <a:t>Third level</a:t>
-            </a:r>
-          </a:p>
-          <a:p>
-            <a:pPr lvl="3"/>
-            <a:r>
-              <a:rPr lang="en-US"/>
-              <a:t>Fourth level</a:t>
-            </a:r>
-          </a:p>
-          <a:p>
-            <a:pPr lvl="4"/>
-            <a:r>
-              <a:rPr lang="en-US"/>
-              <a:t>Fifth level</a:t>
-            </a:r>
-          </a:p>
-        </p:txBody>
-      </p:sp>
-    </p:spTree>
-    <p:extLst>
-      <p:ext uri="{BB962C8B-B14F-4D97-AF65-F5344CB8AC3E}">
-        <p14:creationId xmlns:p14="http://schemas.microsoft.com/office/powerpoint/2010/main" val="7028269"/>
       </p:ext>
     </p:extLst>
   </p:cSld>
@@ -7785,8 +7667,8 @@
     <p:sldLayoutId id="2147483677" r:id="rId3"/>
     <p:sldLayoutId id="2147483666" r:id="rId4"/>
     <p:sldLayoutId id="2147483679" r:id="rId5"/>
-    <p:sldLayoutId id="2147483652" r:id="rId6"/>
-    <p:sldLayoutId id="2147483653" r:id="rId7"/>
+    <p:sldLayoutId id="2147483680" r:id="rId6"/>
+    <p:sldLayoutId id="2147483652" r:id="rId7"/>
     <p:sldLayoutId id="2147483654" r:id="rId8"/>
     <p:sldLayoutId id="2147483655" r:id="rId9"/>
     <p:sldLayoutId id="2147483664" r:id="rId10"/>
@@ -8584,7 +8466,7 @@
 </file>
 
 <file path=ppt/slides/slide13.xml><?xml version="1.0" encoding="utf-8"?>
-<p:sld xmlns:a="http://schemas.openxmlformats.org/drawingml/2006/main" xmlns:r="http://schemas.openxmlformats.org/officeDocument/2006/relationships" xmlns:p="http://schemas.openxmlformats.org/presentationml/2006/main" show="0">
+<p:sld xmlns:a="http://schemas.openxmlformats.org/drawingml/2006/main" xmlns:r="http://schemas.openxmlformats.org/officeDocument/2006/relationships" xmlns:p="http://schemas.openxmlformats.org/presentationml/2006/main">
   <p:cSld>
     <p:spTree>
       <p:nvGrpSpPr>
@@ -9401,42 +9283,6 @@
           <a:chExt cx="0" cy="0"/>
         </a:xfrm>
       </p:grpSpPr>
-      <p:pic>
-        <p:nvPicPr>
-          <p:cNvPr id="2" name="Picture 1" descr="Qr code&#10;&#10;Description generated with very high confidence">
-            <a:extLst>
-              <a:ext uri="{FF2B5EF4-FFF2-40B4-BE49-F238E27FC236}">
-                <a16:creationId xmlns:a16="http://schemas.microsoft.com/office/drawing/2014/main" id="{80810219-9011-4084-BA0F-953F017E0FCF}"/>
-              </a:ext>
-            </a:extLst>
-          </p:cNvPr>
-          <p:cNvPicPr>
-            <a:picLocks noChangeAspect="1"/>
-          </p:cNvPicPr>
-          <p:nvPr/>
-        </p:nvPicPr>
-        <p:blipFill>
-          <a:blip r:embed="rId2">
-            <a:extLst>
-              <a:ext uri="{28A0092B-C50C-407E-A947-70E740481C1C}">
-                <a14:useLocalDpi xmlns:a14="http://schemas.microsoft.com/office/drawing/2010/main" val="0"/>
-              </a:ext>
-            </a:extLst>
-          </a:blip>
-          <a:stretch>
-            <a:fillRect/>
-          </a:stretch>
-        </p:blipFill>
-        <p:spPr>
-          <a:xfrm>
-            <a:off x="6943436" y="979055"/>
-            <a:ext cx="3606800" cy="3606800"/>
-          </a:xfrm>
-          <a:prstGeom prst="rect">
-            <a:avLst/>
-          </a:prstGeom>
-        </p:spPr>
-      </p:pic>
       <p:sp>
         <p:nvSpPr>
           <p:cNvPr id="4" name="TextBox 3">
@@ -9549,6 +9395,42 @@
           </a:p>
         </p:txBody>
       </p:sp>
+      <p:pic>
+        <p:nvPicPr>
+          <p:cNvPr id="6" name="Picture 5" descr="Qr code&#10;&#10;Description generated with very high confidence">
+            <a:extLst>
+              <a:ext uri="{FF2B5EF4-FFF2-40B4-BE49-F238E27FC236}">
+                <a16:creationId xmlns:a16="http://schemas.microsoft.com/office/drawing/2014/main" id="{9458906D-5C82-428C-A573-7A7252061B28}"/>
+              </a:ext>
+            </a:extLst>
+          </p:cNvPr>
+          <p:cNvPicPr>
+            <a:picLocks noChangeAspect="1"/>
+          </p:cNvPicPr>
+          <p:nvPr/>
+        </p:nvPicPr>
+        <p:blipFill>
+          <a:blip r:embed="rId2">
+            <a:extLst>
+              <a:ext uri="{28A0092B-C50C-407E-A947-70E740481C1C}">
+                <a14:useLocalDpi xmlns:a14="http://schemas.microsoft.com/office/drawing/2010/main" val="0"/>
+              </a:ext>
+            </a:extLst>
+          </a:blip>
+          <a:stretch>
+            <a:fillRect/>
+          </a:stretch>
+        </p:blipFill>
+        <p:spPr>
+          <a:xfrm>
+            <a:off x="6590251" y="794157"/>
+            <a:ext cx="3810000" cy="3810000"/>
+          </a:xfrm>
+          <a:prstGeom prst="rect">
+            <a:avLst/>
+          </a:prstGeom>
+        </p:spPr>
+      </p:pic>
     </p:spTree>
     <p:extLst>
       <p:ext uri="{BB962C8B-B14F-4D97-AF65-F5344CB8AC3E}">
@@ -9611,8 +9493,8 @@
         </p:nvSpPr>
         <p:spPr>
           <a:xfrm>
-            <a:off x="3153624" y="216406"/>
-            <a:ext cx="5884395" cy="919087"/>
+            <a:off x="494399" y="253728"/>
+            <a:ext cx="9899903" cy="919087"/>
           </a:xfrm>
         </p:spPr>
         <p:txBody>
@@ -9625,7 +9507,7 @@
               <a:rPr lang="en-CA" sz="4400" dirty="0"/>
               <a:t>Event Sponsors</a:t>
             </a:r>
-            <a:endParaRPr lang="en-US" sz="4400">
+            <a:endParaRPr lang="en-US" sz="4400" dirty="0">
               <a:solidFill>
                 <a:srgbClr val="732773"/>
               </a:solidFill>
@@ -14252,21 +14134,6 @@
 </file>
 
 <file path=customXml/item1.xml><?xml version="1.0" encoding="utf-8"?>
-<p:properties xmlns:p="http://schemas.microsoft.com/office/2006/metadata/properties" xmlns:xsi="http://www.w3.org/2001/XMLSchema-instance" xmlns:pc="http://schemas.microsoft.com/office/infopath/2007/PartnerControls">
-  <documentManagement/>
-</p:properties>
-</file>
-
-<file path=customXml/item2.xml><?xml version="1.0" encoding="utf-8"?>
-<?mso-contentType ?>
-<FormTemplates xmlns="http://schemas.microsoft.com/sharepoint/v3/contenttype/forms">
-  <Display>DocumentLibraryForm</Display>
-  <Edit>DocumentLibraryForm</Edit>
-  <New>DocumentLibraryForm</New>
-</FormTemplates>
-</file>
-
-<file path=customXml/item3.xml><?xml version="1.0" encoding="utf-8"?>
 <ct:contentTypeSchema xmlns:ct="http://schemas.microsoft.com/office/2006/metadata/contentType" xmlns:ma="http://schemas.microsoft.com/office/2006/metadata/properties/metaAttributes" ct:_="" ma:_="" ma:contentTypeName="Document" ma:contentTypeID="0x010100F6BDD08CCF370849A2D407B3E3FB0E50" ma:contentTypeVersion="6" ma:contentTypeDescription="Create a new document." ma:contentTypeScope="" ma:versionID="67b8d404d50ab64c6da975ce4eaec4ee">
   <xsd:schema xmlns:xsd="http://www.w3.org/2001/XMLSchema" xmlns:xs="http://www.w3.org/2001/XMLSchema" xmlns:p="http://schemas.microsoft.com/office/2006/metadata/properties" xmlns:ns2="774ed329-f2c8-4afb-9f87-f277f9430717" targetNamespace="http://schemas.microsoft.com/office/2006/metadata/properties" ma:root="true" ma:fieldsID="2ee7a84ba5c28d271e27e06945b3db8f" ns2:_="">
     <xsd:import namespace="774ed329-f2c8-4afb-9f87-f277f9430717"/>
@@ -14424,7 +14291,40 @@
 </ct:contentTypeSchema>
 </file>
 
+<file path=customXml/item2.xml><?xml version="1.0" encoding="utf-8"?>
+<p:properties xmlns:p="http://schemas.microsoft.com/office/2006/metadata/properties" xmlns:xsi="http://www.w3.org/2001/XMLSchema-instance" xmlns:pc="http://schemas.microsoft.com/office/infopath/2007/PartnerControls">
+  <documentManagement/>
+</p:properties>
+</file>
+
+<file path=customXml/item3.xml><?xml version="1.0" encoding="utf-8"?>
+<?mso-contentType ?>
+<FormTemplates xmlns="http://schemas.microsoft.com/sharepoint/v3/contenttype/forms">
+  <Display>DocumentLibraryForm</Display>
+  <Edit>DocumentLibraryForm</Edit>
+  <New>DocumentLibraryForm</New>
+</FormTemplates>
+</file>
+
 <file path=customXml/itemProps1.xml><?xml version="1.0" encoding="utf-8"?>
+<ds:datastoreItem xmlns:ds="http://schemas.openxmlformats.org/officeDocument/2006/customXml" ds:itemID="{216745AD-74D2-4BFB-8E5C-F0AF25631153}">
+  <ds:schemaRefs>
+    <ds:schemaRef ds:uri="http://schemas.microsoft.com/office/2006/metadata/contentType"/>
+    <ds:schemaRef ds:uri="http://schemas.microsoft.com/office/2006/metadata/properties/metaAttributes"/>
+    <ds:schemaRef ds:uri="http://www.w3.org/2001/XMLSchema"/>
+    <ds:schemaRef ds:uri="http://schemas.microsoft.com/office/2006/metadata/properties"/>
+    <ds:schemaRef ds:uri="774ed329-f2c8-4afb-9f87-f277f9430717"/>
+    <ds:schemaRef ds:uri="http://schemas.microsoft.com/office/2006/documentManagement/types"/>
+    <ds:schemaRef ds:uri="http://schemas.microsoft.com/office/infopath/2007/PartnerControls"/>
+    <ds:schemaRef ds:uri="http://schemas.openxmlformats.org/package/2006/metadata/core-properties"/>
+    <ds:schemaRef ds:uri="http://purl.org/dc/elements/1.1/"/>
+    <ds:schemaRef ds:uri="http://purl.org/dc/terms/"/>
+    <ds:schemaRef ds:uri="http://schemas.microsoft.com/internal/obd"/>
+  </ds:schemaRefs>
+</ds:datastoreItem>
+</file>
+
+<file path=customXml/itemProps2.xml><?xml version="1.0" encoding="utf-8"?>
 <ds:datastoreItem xmlns:ds="http://schemas.openxmlformats.org/officeDocument/2006/customXml" ds:itemID="{C4BD89D9-7255-4D5A-82E5-E966CAEE4330}">
   <ds:schemaRefs>
     <ds:schemaRef ds:uri="http://schemas.microsoft.com/office/2006/documentManagement/types"/>
@@ -14440,28 +14340,10 @@
 </ds:datastoreItem>
 </file>
 
-<file path=customXml/itemProps2.xml><?xml version="1.0" encoding="utf-8"?>
+<file path=customXml/itemProps3.xml><?xml version="1.0" encoding="utf-8"?>
 <ds:datastoreItem xmlns:ds="http://schemas.openxmlformats.org/officeDocument/2006/customXml" ds:itemID="{F011BBF7-1CE1-4050-9514-DB9AE0D56D7F}">
   <ds:schemaRefs>
     <ds:schemaRef ds:uri="http://schemas.microsoft.com/sharepoint/v3/contenttype/forms"/>
   </ds:schemaRefs>
 </ds:datastoreItem>
-</file>
-
-<file path=customXml/itemProps3.xml><?xml version="1.0" encoding="utf-8"?>
-<ds:datastoreItem xmlns:ds="http://schemas.openxmlformats.org/officeDocument/2006/customXml" ds:itemID="{216745AD-74D2-4BFB-8E5C-F0AF25631153}">
-  <ds:schemaRefs>
-    <ds:schemaRef ds:uri="http://schemas.microsoft.com/office/2006/metadata/contentType"/>
-    <ds:schemaRef ds:uri="http://schemas.microsoft.com/office/2006/metadata/properties/metaAttributes"/>
-    <ds:schemaRef ds:uri="http://www.w3.org/2001/XMLSchema"/>
-    <ds:schemaRef ds:uri="http://schemas.microsoft.com/office/2006/metadata/properties"/>
-    <ds:schemaRef ds:uri="774ed329-f2c8-4afb-9f87-f277f9430717"/>
-    <ds:schemaRef ds:uri="http://schemas.microsoft.com/office/2006/documentManagement/types"/>
-    <ds:schemaRef ds:uri="http://schemas.microsoft.com/office/infopath/2007/PartnerControls"/>
-    <ds:schemaRef ds:uri="http://schemas.openxmlformats.org/package/2006/metadata/core-properties"/>
-    <ds:schemaRef ds:uri="http://purl.org/dc/elements/1.1/"/>
-    <ds:schemaRef ds:uri="http://purl.org/dc/terms/"/>
-    <ds:schemaRef ds:uri="http://schemas.microsoft.com/internal/obd"/>
-  </ds:schemaRefs>
-</ds:datastoreItem>
 </file>